--- a/Informational Technology (Game Design)/Part 2/Contribute to cyber security risk management/Session 5 - 6/Session 5 - 6.pptx
+++ b/Informational Technology (Game Design)/Part 2/Contribute to cyber security risk management/Session 5 - 6/Session 5 - 6.pptx
@@ -157,34 +157,507 @@
 <file path=ppt/changesInfos/changesInfo1.xml><?xml version="1.0" encoding="utf-8"?>
 <pc:chgInfo xmlns:a="http://schemas.openxmlformats.org/drawingml/2006/main" xmlns:r="http://schemas.openxmlformats.org/officeDocument/2006/relationships" xmlns:ac="http://schemas.microsoft.com/office/drawing/2013/main/command" xmlns:pc="http://schemas.microsoft.com/office/powerpoint/2013/main/command">
   <pc:docChgLst>
-    <pc:chgData name="Jeff Xie" userId="b588c72e-c395-4f6e-8887-501c87873425" providerId="ADAL" clId="{2B99C0F8-CCFD-40E8-9050-B7925513AF51}"/>
-    <pc:docChg chg="modSld sldOrd">
-      <pc:chgData name="Jeff Xie" userId="b588c72e-c395-4f6e-8887-501c87873425" providerId="ADAL" clId="{2B99C0F8-CCFD-40E8-9050-B7925513AF51}" dt="2021-05-05T09:10:03.826" v="5" actId="1076"/>
+    <pc:chgData name="Jeff Xie" userId="b588c72e-c395-4f6e-8887-501c87873425" providerId="ADAL" clId="{D027C53D-F38D-4508-A1B8-6B24B4868238}"/>
+    <pc:docChg chg="undo redo custSel addSld delSld modSld sldOrd">
+      <pc:chgData name="Jeff Xie" userId="b588c72e-c395-4f6e-8887-501c87873425" providerId="ADAL" clId="{D027C53D-F38D-4508-A1B8-6B24B4868238}" dt="2021-08-01T10:38:00.886" v="2070" actId="20577"/>
       <pc:docMkLst>
         <pc:docMk/>
       </pc:docMkLst>
-      <pc:sldChg chg="addSp delSp modSp ord">
-        <pc:chgData name="Jeff Xie" userId="b588c72e-c395-4f6e-8887-501c87873425" providerId="ADAL" clId="{2B99C0F8-CCFD-40E8-9050-B7925513AF51}" dt="2021-05-05T09:10:03.826" v="5" actId="1076"/>
+      <pc:sldChg chg="modSp mod">
+        <pc:chgData name="Jeff Xie" userId="b588c72e-c395-4f6e-8887-501c87873425" providerId="ADAL" clId="{D027C53D-F38D-4508-A1B8-6B24B4868238}" dt="2021-08-01T10:33:20.186" v="1791" actId="20577"/>
         <pc:sldMkLst>
           <pc:docMk/>
-          <pc:sldMk cId="117798167" sldId="393"/>
+          <pc:sldMk cId="270488696" sldId="276"/>
         </pc:sldMkLst>
-        <pc:picChg chg="add mod">
-          <ac:chgData name="Jeff Xie" userId="b588c72e-c395-4f6e-8887-501c87873425" providerId="ADAL" clId="{2B99C0F8-CCFD-40E8-9050-B7925513AF51}" dt="2021-05-05T09:10:03.826" v="5" actId="1076"/>
-          <ac:picMkLst>
+        <pc:spChg chg="mod">
+          <ac:chgData name="Jeff Xie" userId="b588c72e-c395-4f6e-8887-501c87873425" providerId="ADAL" clId="{D027C53D-F38D-4508-A1B8-6B24B4868238}" dt="2021-08-01T10:33:20.186" v="1791" actId="20577"/>
+          <ac:spMkLst>
             <pc:docMk/>
-            <pc:sldMk cId="117798167" sldId="393"/>
-            <ac:picMk id="3" creationId="{DC70D12F-CDC6-4DE5-BC2B-8A3698776383}"/>
-          </ac:picMkLst>
-        </pc:picChg>
-        <pc:picChg chg="del">
-          <ac:chgData name="Jeff Xie" userId="b588c72e-c395-4f6e-8887-501c87873425" providerId="ADAL" clId="{2B99C0F8-CCFD-40E8-9050-B7925513AF51}" dt="2021-05-05T09:09:34.129" v="1" actId="478"/>
-          <ac:picMkLst>
+            <pc:sldMk cId="270488696" sldId="276"/>
+            <ac:spMk id="2" creationId="{00000000-0000-0000-0000-000000000000}"/>
+          </ac:spMkLst>
+        </pc:spChg>
+        <pc:spChg chg="mod">
+          <ac:chgData name="Jeff Xie" userId="b588c72e-c395-4f6e-8887-501c87873425" providerId="ADAL" clId="{D027C53D-F38D-4508-A1B8-6B24B4868238}" dt="2021-08-01T10:33:01.667" v="1776" actId="27636"/>
+          <ac:spMkLst>
             <pc:docMk/>
-            <pc:sldMk cId="117798167" sldId="393"/>
-            <ac:picMk id="1026" creationId="{0A5390A3-4EC7-4776-B48C-74F451C1CF9F}"/>
-          </ac:picMkLst>
-        </pc:picChg>
+            <pc:sldMk cId="270488696" sldId="276"/>
+            <ac:spMk id="3" creationId="{00000000-0000-0000-0000-000000000000}"/>
+          </ac:spMkLst>
+        </pc:spChg>
+      </pc:sldChg>
+      <pc:sldChg chg="modSp mod delDesignElem">
+        <pc:chgData name="Jeff Xie" userId="b588c72e-c395-4f6e-8887-501c87873425" providerId="ADAL" clId="{D027C53D-F38D-4508-A1B8-6B24B4868238}" dt="2021-08-01T10:33:29.481" v="1805" actId="20577"/>
+        <pc:sldMkLst>
+          <pc:docMk/>
+          <pc:sldMk cId="4079940812" sldId="277"/>
+        </pc:sldMkLst>
+        <pc:spChg chg="mod">
+          <ac:chgData name="Jeff Xie" userId="b588c72e-c395-4f6e-8887-501c87873425" providerId="ADAL" clId="{D027C53D-F38D-4508-A1B8-6B24B4868238}" dt="2021-08-01T10:33:29.481" v="1805" actId="20577"/>
+          <ac:spMkLst>
+            <pc:docMk/>
+            <pc:sldMk cId="4079940812" sldId="277"/>
+            <ac:spMk id="2" creationId="{00000000-0000-0000-0000-000000000000}"/>
+          </ac:spMkLst>
+        </pc:spChg>
+      </pc:sldChg>
+      <pc:sldChg chg="modSp mod">
+        <pc:chgData name="Jeff Xie" userId="b588c72e-c395-4f6e-8887-501c87873425" providerId="ADAL" clId="{D027C53D-F38D-4508-A1B8-6B24B4868238}" dt="2021-08-01T10:35:28.144" v="1838" actId="1076"/>
+        <pc:sldMkLst>
+          <pc:docMk/>
+          <pc:sldMk cId="1073680656" sldId="278"/>
+        </pc:sldMkLst>
+        <pc:spChg chg="mod">
+          <ac:chgData name="Jeff Xie" userId="b588c72e-c395-4f6e-8887-501c87873425" providerId="ADAL" clId="{D027C53D-F38D-4508-A1B8-6B24B4868238}" dt="2021-08-01T10:35:28.144" v="1838" actId="1076"/>
+          <ac:spMkLst>
+            <pc:docMk/>
+            <pc:sldMk cId="1073680656" sldId="278"/>
+            <ac:spMk id="2" creationId="{00000000-0000-0000-0000-000000000000}"/>
+          </ac:spMkLst>
+        </pc:spChg>
+        <pc:spChg chg="mod">
+          <ac:chgData name="Jeff Xie" userId="b588c72e-c395-4f6e-8887-501c87873425" providerId="ADAL" clId="{D027C53D-F38D-4508-A1B8-6B24B4868238}" dt="2021-08-01T10:33:51.994" v="1831" actId="20577"/>
+          <ac:spMkLst>
+            <pc:docMk/>
+            <pc:sldMk cId="1073680656" sldId="278"/>
+            <ac:spMk id="3" creationId="{00000000-0000-0000-0000-000000000000}"/>
+          </ac:spMkLst>
+        </pc:spChg>
+      </pc:sldChg>
+      <pc:sldChg chg="modSp mod">
+        <pc:chgData name="Jeff Xie" userId="b588c72e-c395-4f6e-8887-501c87873425" providerId="ADAL" clId="{D027C53D-F38D-4508-A1B8-6B24B4868238}" dt="2021-08-01T10:32:49.701" v="1766" actId="27636"/>
+        <pc:sldMkLst>
+          <pc:docMk/>
+          <pc:sldMk cId="3992041398" sldId="287"/>
+        </pc:sldMkLst>
+        <pc:spChg chg="mod">
+          <ac:chgData name="Jeff Xie" userId="b588c72e-c395-4f6e-8887-501c87873425" providerId="ADAL" clId="{D027C53D-F38D-4508-A1B8-6B24B4868238}" dt="2021-08-01T10:32:49.701" v="1766" actId="27636"/>
+          <ac:spMkLst>
+            <pc:docMk/>
+            <pc:sldMk cId="3992041398" sldId="287"/>
+            <ac:spMk id="3" creationId="{00000000-0000-0000-0000-000000000000}"/>
+          </ac:spMkLst>
+        </pc:spChg>
+      </pc:sldChg>
+      <pc:sldChg chg="addSp delSp modSp mod">
+        <pc:chgData name="Jeff Xie" userId="b588c72e-c395-4f6e-8887-501c87873425" providerId="ADAL" clId="{D027C53D-F38D-4508-A1B8-6B24B4868238}" dt="2021-08-01T10:35:46.110" v="1860" actId="478"/>
+        <pc:sldMkLst>
+          <pc:docMk/>
+          <pc:sldMk cId="1170737802" sldId="326"/>
+        </pc:sldMkLst>
+        <pc:spChg chg="add mod">
+          <ac:chgData name="Jeff Xie" userId="b588c72e-c395-4f6e-8887-501c87873425" providerId="ADAL" clId="{D027C53D-F38D-4508-A1B8-6B24B4868238}" dt="2021-08-01T10:35:41.798" v="1859" actId="20577"/>
+          <ac:spMkLst>
+            <pc:docMk/>
+            <pc:sldMk cId="1170737802" sldId="326"/>
+            <ac:spMk id="4" creationId="{6AD2F9F2-9F00-49BE-864E-636E29634F61}"/>
+          </ac:spMkLst>
+        </pc:spChg>
+        <pc:spChg chg="del">
+          <ac:chgData name="Jeff Xie" userId="b588c72e-c395-4f6e-8887-501c87873425" providerId="ADAL" clId="{D027C53D-F38D-4508-A1B8-6B24B4868238}" dt="2021-08-01T10:35:46.110" v="1860" actId="478"/>
+          <ac:spMkLst>
+            <pc:docMk/>
+            <pc:sldMk cId="1170737802" sldId="326"/>
+            <ac:spMk id="9" creationId="{E636BAAC-4430-4544-9BEB-ADC8C6564E8D}"/>
+          </ac:spMkLst>
+        </pc:spChg>
+      </pc:sldChg>
+      <pc:sldChg chg="addSp delSp modSp mod">
+        <pc:chgData name="Jeff Xie" userId="b588c72e-c395-4f6e-8887-501c87873425" providerId="ADAL" clId="{D027C53D-F38D-4508-A1B8-6B24B4868238}" dt="2021-08-01T10:36:10.369" v="1895" actId="1076"/>
+        <pc:sldMkLst>
+          <pc:docMk/>
+          <pc:sldMk cId="2064146404" sldId="327"/>
+        </pc:sldMkLst>
+        <pc:spChg chg="mod">
+          <ac:chgData name="Jeff Xie" userId="b588c72e-c395-4f6e-8887-501c87873425" providerId="ADAL" clId="{D027C53D-F38D-4508-A1B8-6B24B4868238}" dt="2021-08-01T10:36:10.369" v="1895" actId="1076"/>
+          <ac:spMkLst>
+            <pc:docMk/>
+            <pc:sldMk cId="2064146404" sldId="327"/>
+            <ac:spMk id="3" creationId="{E71D7343-1B9A-480E-912A-96DA58DCB51E}"/>
+          </ac:spMkLst>
+        </pc:spChg>
+        <pc:spChg chg="add mod">
+          <ac:chgData name="Jeff Xie" userId="b588c72e-c395-4f6e-8887-501c87873425" providerId="ADAL" clId="{D027C53D-F38D-4508-A1B8-6B24B4868238}" dt="2021-08-01T10:35:59.950" v="1894" actId="20577"/>
+          <ac:spMkLst>
+            <pc:docMk/>
+            <pc:sldMk cId="2064146404" sldId="327"/>
+            <ac:spMk id="4" creationId="{D831656D-448B-452D-9874-9F9C6686DF9B}"/>
+          </ac:spMkLst>
+        </pc:spChg>
+        <pc:spChg chg="del">
+          <ac:chgData name="Jeff Xie" userId="b588c72e-c395-4f6e-8887-501c87873425" providerId="ADAL" clId="{D027C53D-F38D-4508-A1B8-6B24B4868238}" dt="2021-08-01T10:35:52.181" v="1862" actId="478"/>
+          <ac:spMkLst>
+            <pc:docMk/>
+            <pc:sldMk cId="2064146404" sldId="327"/>
+            <ac:spMk id="9" creationId="{E636BAAC-4430-4544-9BEB-ADC8C6564E8D}"/>
+          </ac:spMkLst>
+        </pc:spChg>
+      </pc:sldChg>
+      <pc:sldChg chg="modSp mod">
+        <pc:chgData name="Jeff Xie" userId="b588c72e-c395-4f6e-8887-501c87873425" providerId="ADAL" clId="{D027C53D-F38D-4508-A1B8-6B24B4868238}" dt="2021-08-01T10:36:30.590" v="1928" actId="20577"/>
+        <pc:sldMkLst>
+          <pc:docMk/>
+          <pc:sldMk cId="1383167817" sldId="328"/>
+        </pc:sldMkLst>
+        <pc:spChg chg="mod">
+          <ac:chgData name="Jeff Xie" userId="b588c72e-c395-4f6e-8887-501c87873425" providerId="ADAL" clId="{D027C53D-F38D-4508-A1B8-6B24B4868238}" dt="2021-08-01T10:36:30.590" v="1928" actId="20577"/>
+          <ac:spMkLst>
+            <pc:docMk/>
+            <pc:sldMk cId="1383167817" sldId="328"/>
+            <ac:spMk id="9" creationId="{E636BAAC-4430-4544-9BEB-ADC8C6564E8D}"/>
+          </ac:spMkLst>
+        </pc:spChg>
+      </pc:sldChg>
+      <pc:sldChg chg="modSp mod">
+        <pc:chgData name="Jeff Xie" userId="b588c72e-c395-4f6e-8887-501c87873425" providerId="ADAL" clId="{D027C53D-F38D-4508-A1B8-6B24B4868238}" dt="2021-08-01T10:36:49.382" v="1971" actId="1076"/>
+        <pc:sldMkLst>
+          <pc:docMk/>
+          <pc:sldMk cId="1785232495" sldId="329"/>
+        </pc:sldMkLst>
+        <pc:spChg chg="mod">
+          <ac:chgData name="Jeff Xie" userId="b588c72e-c395-4f6e-8887-501c87873425" providerId="ADAL" clId="{D027C53D-F38D-4508-A1B8-6B24B4868238}" dt="2021-08-01T10:35:04.865" v="1833" actId="27636"/>
+          <ac:spMkLst>
+            <pc:docMk/>
+            <pc:sldMk cId="1785232495" sldId="329"/>
+            <ac:spMk id="3" creationId="{E71D7343-1B9A-480E-912A-96DA58DCB51E}"/>
+          </ac:spMkLst>
+        </pc:spChg>
+        <pc:spChg chg="mod">
+          <ac:chgData name="Jeff Xie" userId="b588c72e-c395-4f6e-8887-501c87873425" providerId="ADAL" clId="{D027C53D-F38D-4508-A1B8-6B24B4868238}" dt="2021-08-01T10:36:49.382" v="1971" actId="1076"/>
+          <ac:spMkLst>
+            <pc:docMk/>
+            <pc:sldMk cId="1785232495" sldId="329"/>
+            <ac:spMk id="9" creationId="{E636BAAC-4430-4544-9BEB-ADC8C6564E8D}"/>
+          </ac:spMkLst>
+        </pc:spChg>
+      </pc:sldChg>
+      <pc:sldChg chg="addSp delSp modSp mod">
+        <pc:chgData name="Jeff Xie" userId="b588c72e-c395-4f6e-8887-501c87873425" providerId="ADAL" clId="{D027C53D-F38D-4508-A1B8-6B24B4868238}" dt="2021-08-01T10:38:00.886" v="2070" actId="20577"/>
+        <pc:sldMkLst>
+          <pc:docMk/>
+          <pc:sldMk cId="3855087911" sldId="330"/>
+        </pc:sldMkLst>
+        <pc:spChg chg="mod">
+          <ac:chgData name="Jeff Xie" userId="b588c72e-c395-4f6e-8887-501c87873425" providerId="ADAL" clId="{D027C53D-F38D-4508-A1B8-6B24B4868238}" dt="2021-08-01T10:35:04.897" v="1835" actId="27636"/>
+          <ac:spMkLst>
+            <pc:docMk/>
+            <pc:sldMk cId="3855087911" sldId="330"/>
+            <ac:spMk id="3" creationId="{E71D7343-1B9A-480E-912A-96DA58DCB51E}"/>
+          </ac:spMkLst>
+        </pc:spChg>
+        <pc:spChg chg="add del">
+          <ac:chgData name="Jeff Xie" userId="b588c72e-c395-4f6e-8887-501c87873425" providerId="ADAL" clId="{D027C53D-F38D-4508-A1B8-6B24B4868238}" dt="2021-08-01T10:37:42.020" v="2023" actId="22"/>
+          <ac:spMkLst>
+            <pc:docMk/>
+            <pc:sldMk cId="3855087911" sldId="330"/>
+            <ac:spMk id="5" creationId="{526964C8-DCC6-47BA-87B1-6E171D644A12}"/>
+          </ac:spMkLst>
+        </pc:spChg>
+        <pc:spChg chg="add mod">
+          <ac:chgData name="Jeff Xie" userId="b588c72e-c395-4f6e-8887-501c87873425" providerId="ADAL" clId="{D027C53D-F38D-4508-A1B8-6B24B4868238}" dt="2021-08-01T10:38:00.886" v="2070" actId="20577"/>
+          <ac:spMkLst>
+            <pc:docMk/>
+            <pc:sldMk cId="3855087911" sldId="330"/>
+            <ac:spMk id="6" creationId="{89F25561-5D2E-45C6-BE30-85B661590A24}"/>
+          </ac:spMkLst>
+        </pc:spChg>
+        <pc:spChg chg="del">
+          <ac:chgData name="Jeff Xie" userId="b588c72e-c395-4f6e-8887-501c87873425" providerId="ADAL" clId="{D027C53D-F38D-4508-A1B8-6B24B4868238}" dt="2021-08-01T10:35:22.393" v="1837" actId="478"/>
+          <ac:spMkLst>
+            <pc:docMk/>
+            <pc:sldMk cId="3855087911" sldId="330"/>
+            <ac:spMk id="9" creationId="{E636BAAC-4430-4544-9BEB-ADC8C6564E8D}"/>
+          </ac:spMkLst>
+        </pc:spChg>
+      </pc:sldChg>
+      <pc:sldChg chg="modSp mod delDesignElem">
+        <pc:chgData name="Jeff Xie" userId="b588c72e-c395-4f6e-8887-501c87873425" providerId="ADAL" clId="{D027C53D-F38D-4508-A1B8-6B24B4868238}" dt="2021-08-01T10:37:22.477" v="2021" actId="20577"/>
+        <pc:sldMkLst>
+          <pc:docMk/>
+          <pc:sldMk cId="2154030291" sldId="331"/>
+        </pc:sldMkLst>
+        <pc:spChg chg="mod">
+          <ac:chgData name="Jeff Xie" userId="b588c72e-c395-4f6e-8887-501c87873425" providerId="ADAL" clId="{D027C53D-F38D-4508-A1B8-6B24B4868238}" dt="2021-08-01T10:35:04.881" v="1834" actId="27636"/>
+          <ac:spMkLst>
+            <pc:docMk/>
+            <pc:sldMk cId="2154030291" sldId="331"/>
+            <ac:spMk id="3" creationId="{E71D7343-1B9A-480E-912A-96DA58DCB51E}"/>
+          </ac:spMkLst>
+        </pc:spChg>
+        <pc:spChg chg="mod">
+          <ac:chgData name="Jeff Xie" userId="b588c72e-c395-4f6e-8887-501c87873425" providerId="ADAL" clId="{D027C53D-F38D-4508-A1B8-6B24B4868238}" dt="2021-08-01T10:37:22.477" v="2021" actId="20577"/>
+          <ac:spMkLst>
+            <pc:docMk/>
+            <pc:sldMk cId="2154030291" sldId="331"/>
+            <ac:spMk id="9" creationId="{E636BAAC-4430-4544-9BEB-ADC8C6564E8D}"/>
+          </ac:spMkLst>
+        </pc:spChg>
+      </pc:sldChg>
+      <pc:sldChg chg="del">
+        <pc:chgData name="Jeff Xie" userId="b588c72e-c395-4f6e-8887-501c87873425" providerId="ADAL" clId="{D027C53D-F38D-4508-A1B8-6B24B4868238}" dt="2021-08-01T10:09:08.726" v="0" actId="2696"/>
+        <pc:sldMkLst>
+          <pc:docMk/>
+          <pc:sldMk cId="4293573525" sldId="355"/>
+        </pc:sldMkLst>
+      </pc:sldChg>
+      <pc:sldChg chg="modSp mod">
+        <pc:chgData name="Jeff Xie" userId="b588c72e-c395-4f6e-8887-501c87873425" providerId="ADAL" clId="{D027C53D-F38D-4508-A1B8-6B24B4868238}" dt="2021-08-01T10:30:56.035" v="1711" actId="20577"/>
+        <pc:sldMkLst>
+          <pc:docMk/>
+          <pc:sldMk cId="2486267647" sldId="356"/>
+        </pc:sldMkLst>
+        <pc:spChg chg="mod">
+          <ac:chgData name="Jeff Xie" userId="b588c72e-c395-4f6e-8887-501c87873425" providerId="ADAL" clId="{D027C53D-F38D-4508-A1B8-6B24B4868238}" dt="2021-08-01T10:09:44.842" v="24" actId="20577"/>
+          <ac:spMkLst>
+            <pc:docMk/>
+            <pc:sldMk cId="2486267647" sldId="356"/>
+            <ac:spMk id="2" creationId="{46062F55-782F-4247-9E84-65DECCD98FCB}"/>
+          </ac:spMkLst>
+        </pc:spChg>
+        <pc:spChg chg="mod">
+          <ac:chgData name="Jeff Xie" userId="b588c72e-c395-4f6e-8887-501c87873425" providerId="ADAL" clId="{D027C53D-F38D-4508-A1B8-6B24B4868238}" dt="2021-08-01T10:30:56.035" v="1711" actId="20577"/>
+          <ac:spMkLst>
+            <pc:docMk/>
+            <pc:sldMk cId="2486267647" sldId="356"/>
+            <ac:spMk id="3" creationId="{C25EC8B7-6D60-4593-BA53-5691579E2716}"/>
+          </ac:spMkLst>
+        </pc:spChg>
+      </pc:sldChg>
+      <pc:sldChg chg="modSp mod">
+        <pc:chgData name="Jeff Xie" userId="b588c72e-c395-4f6e-8887-501c87873425" providerId="ADAL" clId="{D027C53D-F38D-4508-A1B8-6B24B4868238}" dt="2021-08-01T10:13:43.185" v="128" actId="20577"/>
+        <pc:sldMkLst>
+          <pc:docMk/>
+          <pc:sldMk cId="1923526131" sldId="403"/>
+        </pc:sldMkLst>
+        <pc:spChg chg="mod">
+          <ac:chgData name="Jeff Xie" userId="b588c72e-c395-4f6e-8887-501c87873425" providerId="ADAL" clId="{D027C53D-F38D-4508-A1B8-6B24B4868238}" dt="2021-08-01T10:12:46.950" v="83" actId="20577"/>
+          <ac:spMkLst>
+            <pc:docMk/>
+            <pc:sldMk cId="1923526131" sldId="403"/>
+            <ac:spMk id="2" creationId="{864DFDF7-CF6D-43B0-93B6-8606A0A575E5}"/>
+          </ac:spMkLst>
+        </pc:spChg>
+        <pc:spChg chg="mod">
+          <ac:chgData name="Jeff Xie" userId="b588c72e-c395-4f6e-8887-501c87873425" providerId="ADAL" clId="{D027C53D-F38D-4508-A1B8-6B24B4868238}" dt="2021-08-01T10:13:43.185" v="128" actId="20577"/>
+          <ac:spMkLst>
+            <pc:docMk/>
+            <pc:sldMk cId="1923526131" sldId="403"/>
+            <ac:spMk id="3" creationId="{8F99FD6F-7F60-4D28-BE9A-9577E877C411}"/>
+          </ac:spMkLst>
+        </pc:spChg>
+      </pc:sldChg>
+      <pc:sldChg chg="del">
+        <pc:chgData name="Jeff Xie" userId="b588c72e-c395-4f6e-8887-501c87873425" providerId="ADAL" clId="{D027C53D-F38D-4508-A1B8-6B24B4868238}" dt="2021-08-01T10:35:14.112" v="1836" actId="47"/>
+        <pc:sldMkLst>
+          <pc:docMk/>
+          <pc:sldMk cId="1811449366" sldId="404"/>
+        </pc:sldMkLst>
+      </pc:sldChg>
+      <pc:sldChg chg="del">
+        <pc:chgData name="Jeff Xie" userId="b588c72e-c395-4f6e-8887-501c87873425" providerId="ADAL" clId="{D027C53D-F38D-4508-A1B8-6B24B4868238}" dt="2021-08-01T10:35:14.112" v="1836" actId="47"/>
+        <pc:sldMkLst>
+          <pc:docMk/>
+          <pc:sldMk cId="3422358248" sldId="405"/>
+        </pc:sldMkLst>
+      </pc:sldChg>
+      <pc:sldChg chg="del">
+        <pc:chgData name="Jeff Xie" userId="b588c72e-c395-4f6e-8887-501c87873425" providerId="ADAL" clId="{D027C53D-F38D-4508-A1B8-6B24B4868238}" dt="2021-08-01T10:35:14.112" v="1836" actId="47"/>
+        <pc:sldMkLst>
+          <pc:docMk/>
+          <pc:sldMk cId="1031868856" sldId="406"/>
+        </pc:sldMkLst>
+      </pc:sldChg>
+      <pc:sldChg chg="del">
+        <pc:chgData name="Jeff Xie" userId="b588c72e-c395-4f6e-8887-501c87873425" providerId="ADAL" clId="{D027C53D-F38D-4508-A1B8-6B24B4868238}" dt="2021-08-01T10:35:14.112" v="1836" actId="47"/>
+        <pc:sldMkLst>
+          <pc:docMk/>
+          <pc:sldMk cId="1726764776" sldId="407"/>
+        </pc:sldMkLst>
+      </pc:sldChg>
+      <pc:sldChg chg="del">
+        <pc:chgData name="Jeff Xie" userId="b588c72e-c395-4f6e-8887-501c87873425" providerId="ADAL" clId="{D027C53D-F38D-4508-A1B8-6B24B4868238}" dt="2021-08-01T10:35:14.112" v="1836" actId="47"/>
+        <pc:sldMkLst>
+          <pc:docMk/>
+          <pc:sldMk cId="1177058652" sldId="408"/>
+        </pc:sldMkLst>
+      </pc:sldChg>
+      <pc:sldChg chg="del">
+        <pc:chgData name="Jeff Xie" userId="b588c72e-c395-4f6e-8887-501c87873425" providerId="ADAL" clId="{D027C53D-F38D-4508-A1B8-6B24B4868238}" dt="2021-08-01T10:35:14.112" v="1836" actId="47"/>
+        <pc:sldMkLst>
+          <pc:docMk/>
+          <pc:sldMk cId="1721897771" sldId="409"/>
+        </pc:sldMkLst>
+      </pc:sldChg>
+      <pc:sldChg chg="del">
+        <pc:chgData name="Jeff Xie" userId="b588c72e-c395-4f6e-8887-501c87873425" providerId="ADAL" clId="{D027C53D-F38D-4508-A1B8-6B24B4868238}" dt="2021-08-01T10:35:14.112" v="1836" actId="47"/>
+        <pc:sldMkLst>
+          <pc:docMk/>
+          <pc:sldMk cId="2656155362" sldId="410"/>
+        </pc:sldMkLst>
+      </pc:sldChg>
+      <pc:sldChg chg="del">
+        <pc:chgData name="Jeff Xie" userId="b588c72e-c395-4f6e-8887-501c87873425" providerId="ADAL" clId="{D027C53D-F38D-4508-A1B8-6B24B4868238}" dt="2021-08-01T10:35:14.112" v="1836" actId="47"/>
+        <pc:sldMkLst>
+          <pc:docMk/>
+          <pc:sldMk cId="3867952108" sldId="411"/>
+        </pc:sldMkLst>
+      </pc:sldChg>
+      <pc:sldChg chg="del">
+        <pc:chgData name="Jeff Xie" userId="b588c72e-c395-4f6e-8887-501c87873425" providerId="ADAL" clId="{D027C53D-F38D-4508-A1B8-6B24B4868238}" dt="2021-08-01T10:35:14.112" v="1836" actId="47"/>
+        <pc:sldMkLst>
+          <pc:docMk/>
+          <pc:sldMk cId="681495566" sldId="412"/>
+        </pc:sldMkLst>
+      </pc:sldChg>
+      <pc:sldChg chg="del">
+        <pc:chgData name="Jeff Xie" userId="b588c72e-c395-4f6e-8887-501c87873425" providerId="ADAL" clId="{D027C53D-F38D-4508-A1B8-6B24B4868238}" dt="2021-08-01T10:35:14.112" v="1836" actId="47"/>
+        <pc:sldMkLst>
+          <pc:docMk/>
+          <pc:sldMk cId="1268958480" sldId="413"/>
+        </pc:sldMkLst>
+      </pc:sldChg>
+      <pc:sldChg chg="modSp del mod">
+        <pc:chgData name="Jeff Xie" userId="b588c72e-c395-4f6e-8887-501c87873425" providerId="ADAL" clId="{D027C53D-F38D-4508-A1B8-6B24B4868238}" dt="2021-08-01T10:33:10.480" v="1777" actId="2696"/>
+        <pc:sldMkLst>
+          <pc:docMk/>
+          <pc:sldMk cId="1074049617" sldId="414"/>
+        </pc:sldMkLst>
+        <pc:spChg chg="mod">
+          <ac:chgData name="Jeff Xie" userId="b588c72e-c395-4f6e-8887-501c87873425" providerId="ADAL" clId="{D027C53D-F38D-4508-A1B8-6B24B4868238}" dt="2021-08-01T10:31:18.770" v="1763" actId="20577"/>
+          <ac:spMkLst>
+            <pc:docMk/>
+            <pc:sldMk cId="1074049617" sldId="414"/>
+            <ac:spMk id="2" creationId="{864DFDF7-CF6D-43B0-93B6-8606A0A575E5}"/>
+          </ac:spMkLst>
+        </pc:spChg>
+      </pc:sldChg>
+      <pc:sldChg chg="modSp mod">
+        <pc:chgData name="Jeff Xie" userId="b588c72e-c395-4f6e-8887-501c87873425" providerId="ADAL" clId="{D027C53D-F38D-4508-A1B8-6B24B4868238}" dt="2021-08-01T10:17:19.056" v="253" actId="20577"/>
+        <pc:sldMkLst>
+          <pc:docMk/>
+          <pc:sldMk cId="1945142872" sldId="415"/>
+        </pc:sldMkLst>
+        <pc:spChg chg="mod">
+          <ac:chgData name="Jeff Xie" userId="b588c72e-c395-4f6e-8887-501c87873425" providerId="ADAL" clId="{D027C53D-F38D-4508-A1B8-6B24B4868238}" dt="2021-08-01T10:14:05.277" v="170" actId="20577"/>
+          <ac:spMkLst>
+            <pc:docMk/>
+            <pc:sldMk cId="1945142872" sldId="415"/>
+            <ac:spMk id="2" creationId="{D21D0B22-3024-4BAB-915C-6804075F8A7C}"/>
+          </ac:spMkLst>
+        </pc:spChg>
+        <pc:spChg chg="mod">
+          <ac:chgData name="Jeff Xie" userId="b588c72e-c395-4f6e-8887-501c87873425" providerId="ADAL" clId="{D027C53D-F38D-4508-A1B8-6B24B4868238}" dt="2021-08-01T10:17:19.056" v="253" actId="20577"/>
+          <ac:spMkLst>
+            <pc:docMk/>
+            <pc:sldMk cId="1945142872" sldId="415"/>
+            <ac:spMk id="3" creationId="{60007F65-4571-408B-973A-6B7842D170AE}"/>
+          </ac:spMkLst>
+        </pc:spChg>
+      </pc:sldChg>
+      <pc:sldChg chg="del">
+        <pc:chgData name="Jeff Xie" userId="b588c72e-c395-4f6e-8887-501c87873425" providerId="ADAL" clId="{D027C53D-F38D-4508-A1B8-6B24B4868238}" dt="2021-08-01T10:30:07.912" v="1660" actId="2696"/>
+        <pc:sldMkLst>
+          <pc:docMk/>
+          <pc:sldMk cId="751291094" sldId="416"/>
+        </pc:sldMkLst>
+      </pc:sldChg>
+      <pc:sldChg chg="del">
+        <pc:chgData name="Jeff Xie" userId="b588c72e-c395-4f6e-8887-501c87873425" providerId="ADAL" clId="{D027C53D-F38D-4508-A1B8-6B24B4868238}" dt="2021-08-01T10:35:14.112" v="1836" actId="47"/>
+        <pc:sldMkLst>
+          <pc:docMk/>
+          <pc:sldMk cId="3266140731" sldId="417"/>
+        </pc:sldMkLst>
+      </pc:sldChg>
+      <pc:sldChg chg="addSp modSp add mod">
+        <pc:chgData name="Jeff Xie" userId="b588c72e-c395-4f6e-8887-501c87873425" providerId="ADAL" clId="{D027C53D-F38D-4508-A1B8-6B24B4868238}" dt="2021-08-01T10:22:13.189" v="581" actId="12385"/>
+        <pc:sldMkLst>
+          <pc:docMk/>
+          <pc:sldMk cId="2218444640" sldId="418"/>
+        </pc:sldMkLst>
+        <pc:spChg chg="mod">
+          <ac:chgData name="Jeff Xie" userId="b588c72e-c395-4f6e-8887-501c87873425" providerId="ADAL" clId="{D027C53D-F38D-4508-A1B8-6B24B4868238}" dt="2021-08-01T10:21:42.407" v="574" actId="6549"/>
+          <ac:spMkLst>
+            <pc:docMk/>
+            <pc:sldMk cId="2218444640" sldId="418"/>
+            <ac:spMk id="3" creationId="{60007F65-4571-408B-973A-6B7842D170AE}"/>
+          </ac:spMkLst>
+        </pc:spChg>
+        <pc:graphicFrameChg chg="add mod modGraphic">
+          <ac:chgData name="Jeff Xie" userId="b588c72e-c395-4f6e-8887-501c87873425" providerId="ADAL" clId="{D027C53D-F38D-4508-A1B8-6B24B4868238}" dt="2021-08-01T10:22:13.189" v="581" actId="12385"/>
+          <ac:graphicFrameMkLst>
+            <pc:docMk/>
+            <pc:sldMk cId="2218444640" sldId="418"/>
+            <ac:graphicFrameMk id="4" creationId="{BC974D3A-703A-4D59-BCDA-B48CC7ED9194}"/>
+          </ac:graphicFrameMkLst>
+        </pc:graphicFrameChg>
+      </pc:sldChg>
+      <pc:sldChg chg="modSp add mod ord">
+        <pc:chgData name="Jeff Xie" userId="b588c72e-c395-4f6e-8887-501c87873425" providerId="ADAL" clId="{D027C53D-F38D-4508-A1B8-6B24B4868238}" dt="2021-08-01T10:22:42.532" v="585"/>
+        <pc:sldMkLst>
+          <pc:docMk/>
+          <pc:sldMk cId="1876457694" sldId="419"/>
+        </pc:sldMkLst>
+        <pc:spChg chg="mod">
+          <ac:chgData name="Jeff Xie" userId="b588c72e-c395-4f6e-8887-501c87873425" providerId="ADAL" clId="{D027C53D-F38D-4508-A1B8-6B24B4868238}" dt="2021-08-01T10:22:42.532" v="585"/>
+          <ac:spMkLst>
+            <pc:docMk/>
+            <pc:sldMk cId="1876457694" sldId="419"/>
+            <ac:spMk id="3" creationId="{60007F65-4571-408B-973A-6B7842D170AE}"/>
+          </ac:spMkLst>
+        </pc:spChg>
+      </pc:sldChg>
+      <pc:sldChg chg="modSp add mod">
+        <pc:chgData name="Jeff Xie" userId="b588c72e-c395-4f6e-8887-501c87873425" providerId="ADAL" clId="{D027C53D-F38D-4508-A1B8-6B24B4868238}" dt="2021-08-01T10:25:34.272" v="896" actId="20577"/>
+        <pc:sldMkLst>
+          <pc:docMk/>
+          <pc:sldMk cId="1556550179" sldId="420"/>
+        </pc:sldMkLst>
+        <pc:spChg chg="mod">
+          <ac:chgData name="Jeff Xie" userId="b588c72e-c395-4f6e-8887-501c87873425" providerId="ADAL" clId="{D027C53D-F38D-4508-A1B8-6B24B4868238}" dt="2021-08-01T10:25:34.272" v="896" actId="20577"/>
+          <ac:spMkLst>
+            <pc:docMk/>
+            <pc:sldMk cId="1556550179" sldId="420"/>
+            <ac:spMk id="3" creationId="{60007F65-4571-408B-973A-6B7842D170AE}"/>
+          </ac:spMkLst>
+        </pc:spChg>
+      </pc:sldChg>
+      <pc:sldChg chg="modSp add mod ord">
+        <pc:chgData name="Jeff Xie" userId="b588c72e-c395-4f6e-8887-501c87873425" providerId="ADAL" clId="{D027C53D-F38D-4508-A1B8-6B24B4868238}" dt="2021-08-01T10:27:36.897" v="1158" actId="20577"/>
+        <pc:sldMkLst>
+          <pc:docMk/>
+          <pc:sldMk cId="808046932" sldId="421"/>
+        </pc:sldMkLst>
+        <pc:spChg chg="mod">
+          <ac:chgData name="Jeff Xie" userId="b588c72e-c395-4f6e-8887-501c87873425" providerId="ADAL" clId="{D027C53D-F38D-4508-A1B8-6B24B4868238}" dt="2021-08-01T10:26:08.717" v="957" actId="20577"/>
+          <ac:spMkLst>
+            <pc:docMk/>
+            <pc:sldMk cId="808046932" sldId="421"/>
+            <ac:spMk id="3" creationId="{60007F65-4571-408B-973A-6B7842D170AE}"/>
+          </ac:spMkLst>
+        </pc:spChg>
+        <pc:graphicFrameChg chg="modGraphic">
+          <ac:chgData name="Jeff Xie" userId="b588c72e-c395-4f6e-8887-501c87873425" providerId="ADAL" clId="{D027C53D-F38D-4508-A1B8-6B24B4868238}" dt="2021-08-01T10:27:36.897" v="1158" actId="20577"/>
+          <ac:graphicFrameMkLst>
+            <pc:docMk/>
+            <pc:sldMk cId="808046932" sldId="421"/>
+            <ac:graphicFrameMk id="4" creationId="{BC974D3A-703A-4D59-BCDA-B48CC7ED9194}"/>
+          </ac:graphicFrameMkLst>
+        </pc:graphicFrameChg>
+      </pc:sldChg>
+      <pc:sldChg chg="modSp add mod ord">
+        <pc:chgData name="Jeff Xie" userId="b588c72e-c395-4f6e-8887-501c87873425" providerId="ADAL" clId="{D027C53D-F38D-4508-A1B8-6B24B4868238}" dt="2021-08-01T10:30:03.053" v="1659" actId="20577"/>
+        <pc:sldMkLst>
+          <pc:docMk/>
+          <pc:sldMk cId="475873073" sldId="422"/>
+        </pc:sldMkLst>
+        <pc:spChg chg="mod">
+          <ac:chgData name="Jeff Xie" userId="b588c72e-c395-4f6e-8887-501c87873425" providerId="ADAL" clId="{D027C53D-F38D-4508-A1B8-6B24B4868238}" dt="2021-08-01T10:30:03.053" v="1659" actId="20577"/>
+          <ac:spMkLst>
+            <pc:docMk/>
+            <pc:sldMk cId="475873073" sldId="422"/>
+            <ac:spMk id="3" creationId="{60007F65-4571-408B-973A-6B7842D170AE}"/>
+          </ac:spMkLst>
+        </pc:spChg>
       </pc:sldChg>
     </pc:docChg>
   </pc:docChgLst>
@@ -761,507 +1234,34 @@
     </pc:docChg>
   </pc:docChgLst>
   <pc:docChgLst>
-    <pc:chgData name="Jeff Xie" userId="b588c72e-c395-4f6e-8887-501c87873425" providerId="ADAL" clId="{D027C53D-F38D-4508-A1B8-6B24B4868238}"/>
-    <pc:docChg chg="undo redo custSel addSld delSld modSld sldOrd">
-      <pc:chgData name="Jeff Xie" userId="b588c72e-c395-4f6e-8887-501c87873425" providerId="ADAL" clId="{D027C53D-F38D-4508-A1B8-6B24B4868238}" dt="2021-08-01T10:38:00.886" v="2070" actId="20577"/>
+    <pc:chgData name="Jeff Xie" userId="b588c72e-c395-4f6e-8887-501c87873425" providerId="ADAL" clId="{2B99C0F8-CCFD-40E8-9050-B7925513AF51}"/>
+    <pc:docChg chg="modSld sldOrd">
+      <pc:chgData name="Jeff Xie" userId="b588c72e-c395-4f6e-8887-501c87873425" providerId="ADAL" clId="{2B99C0F8-CCFD-40E8-9050-B7925513AF51}" dt="2021-05-05T09:10:03.826" v="5" actId="1076"/>
       <pc:docMkLst>
         <pc:docMk/>
       </pc:docMkLst>
-      <pc:sldChg chg="modSp mod">
-        <pc:chgData name="Jeff Xie" userId="b588c72e-c395-4f6e-8887-501c87873425" providerId="ADAL" clId="{D027C53D-F38D-4508-A1B8-6B24B4868238}" dt="2021-08-01T10:33:20.186" v="1791" actId="20577"/>
+      <pc:sldChg chg="addSp delSp modSp ord">
+        <pc:chgData name="Jeff Xie" userId="b588c72e-c395-4f6e-8887-501c87873425" providerId="ADAL" clId="{2B99C0F8-CCFD-40E8-9050-B7925513AF51}" dt="2021-05-05T09:10:03.826" v="5" actId="1076"/>
         <pc:sldMkLst>
           <pc:docMk/>
-          <pc:sldMk cId="270488696" sldId="276"/>
+          <pc:sldMk cId="117798167" sldId="393"/>
         </pc:sldMkLst>
-        <pc:spChg chg="mod">
-          <ac:chgData name="Jeff Xie" userId="b588c72e-c395-4f6e-8887-501c87873425" providerId="ADAL" clId="{D027C53D-F38D-4508-A1B8-6B24B4868238}" dt="2021-08-01T10:33:20.186" v="1791" actId="20577"/>
-          <ac:spMkLst>
+        <pc:picChg chg="add mod">
+          <ac:chgData name="Jeff Xie" userId="b588c72e-c395-4f6e-8887-501c87873425" providerId="ADAL" clId="{2B99C0F8-CCFD-40E8-9050-B7925513AF51}" dt="2021-05-05T09:10:03.826" v="5" actId="1076"/>
+          <ac:picMkLst>
             <pc:docMk/>
-            <pc:sldMk cId="270488696" sldId="276"/>
-            <ac:spMk id="2" creationId="{00000000-0000-0000-0000-000000000000}"/>
-          </ac:spMkLst>
-        </pc:spChg>
-        <pc:spChg chg="mod">
-          <ac:chgData name="Jeff Xie" userId="b588c72e-c395-4f6e-8887-501c87873425" providerId="ADAL" clId="{D027C53D-F38D-4508-A1B8-6B24B4868238}" dt="2021-08-01T10:33:01.667" v="1776" actId="27636"/>
-          <ac:spMkLst>
+            <pc:sldMk cId="117798167" sldId="393"/>
+            <ac:picMk id="3" creationId="{DC70D12F-CDC6-4DE5-BC2B-8A3698776383}"/>
+          </ac:picMkLst>
+        </pc:picChg>
+        <pc:picChg chg="del">
+          <ac:chgData name="Jeff Xie" userId="b588c72e-c395-4f6e-8887-501c87873425" providerId="ADAL" clId="{2B99C0F8-CCFD-40E8-9050-B7925513AF51}" dt="2021-05-05T09:09:34.129" v="1" actId="478"/>
+          <ac:picMkLst>
             <pc:docMk/>
-            <pc:sldMk cId="270488696" sldId="276"/>
-            <ac:spMk id="3" creationId="{00000000-0000-0000-0000-000000000000}"/>
-          </ac:spMkLst>
-        </pc:spChg>
-      </pc:sldChg>
-      <pc:sldChg chg="modSp mod delDesignElem">
-        <pc:chgData name="Jeff Xie" userId="b588c72e-c395-4f6e-8887-501c87873425" providerId="ADAL" clId="{D027C53D-F38D-4508-A1B8-6B24B4868238}" dt="2021-08-01T10:33:29.481" v="1805" actId="20577"/>
-        <pc:sldMkLst>
-          <pc:docMk/>
-          <pc:sldMk cId="4079940812" sldId="277"/>
-        </pc:sldMkLst>
-        <pc:spChg chg="mod">
-          <ac:chgData name="Jeff Xie" userId="b588c72e-c395-4f6e-8887-501c87873425" providerId="ADAL" clId="{D027C53D-F38D-4508-A1B8-6B24B4868238}" dt="2021-08-01T10:33:29.481" v="1805" actId="20577"/>
-          <ac:spMkLst>
-            <pc:docMk/>
-            <pc:sldMk cId="4079940812" sldId="277"/>
-            <ac:spMk id="2" creationId="{00000000-0000-0000-0000-000000000000}"/>
-          </ac:spMkLst>
-        </pc:spChg>
-      </pc:sldChg>
-      <pc:sldChg chg="modSp mod">
-        <pc:chgData name="Jeff Xie" userId="b588c72e-c395-4f6e-8887-501c87873425" providerId="ADAL" clId="{D027C53D-F38D-4508-A1B8-6B24B4868238}" dt="2021-08-01T10:35:28.144" v="1838" actId="1076"/>
-        <pc:sldMkLst>
-          <pc:docMk/>
-          <pc:sldMk cId="1073680656" sldId="278"/>
-        </pc:sldMkLst>
-        <pc:spChg chg="mod">
-          <ac:chgData name="Jeff Xie" userId="b588c72e-c395-4f6e-8887-501c87873425" providerId="ADAL" clId="{D027C53D-F38D-4508-A1B8-6B24B4868238}" dt="2021-08-01T10:35:28.144" v="1838" actId="1076"/>
-          <ac:spMkLst>
-            <pc:docMk/>
-            <pc:sldMk cId="1073680656" sldId="278"/>
-            <ac:spMk id="2" creationId="{00000000-0000-0000-0000-000000000000}"/>
-          </ac:spMkLst>
-        </pc:spChg>
-        <pc:spChg chg="mod">
-          <ac:chgData name="Jeff Xie" userId="b588c72e-c395-4f6e-8887-501c87873425" providerId="ADAL" clId="{D027C53D-F38D-4508-A1B8-6B24B4868238}" dt="2021-08-01T10:33:51.994" v="1831" actId="20577"/>
-          <ac:spMkLst>
-            <pc:docMk/>
-            <pc:sldMk cId="1073680656" sldId="278"/>
-            <ac:spMk id="3" creationId="{00000000-0000-0000-0000-000000000000}"/>
-          </ac:spMkLst>
-        </pc:spChg>
-      </pc:sldChg>
-      <pc:sldChg chg="modSp mod">
-        <pc:chgData name="Jeff Xie" userId="b588c72e-c395-4f6e-8887-501c87873425" providerId="ADAL" clId="{D027C53D-F38D-4508-A1B8-6B24B4868238}" dt="2021-08-01T10:32:49.701" v="1766" actId="27636"/>
-        <pc:sldMkLst>
-          <pc:docMk/>
-          <pc:sldMk cId="3992041398" sldId="287"/>
-        </pc:sldMkLst>
-        <pc:spChg chg="mod">
-          <ac:chgData name="Jeff Xie" userId="b588c72e-c395-4f6e-8887-501c87873425" providerId="ADAL" clId="{D027C53D-F38D-4508-A1B8-6B24B4868238}" dt="2021-08-01T10:32:49.701" v="1766" actId="27636"/>
-          <ac:spMkLst>
-            <pc:docMk/>
-            <pc:sldMk cId="3992041398" sldId="287"/>
-            <ac:spMk id="3" creationId="{00000000-0000-0000-0000-000000000000}"/>
-          </ac:spMkLst>
-        </pc:spChg>
-      </pc:sldChg>
-      <pc:sldChg chg="addSp delSp modSp mod">
-        <pc:chgData name="Jeff Xie" userId="b588c72e-c395-4f6e-8887-501c87873425" providerId="ADAL" clId="{D027C53D-F38D-4508-A1B8-6B24B4868238}" dt="2021-08-01T10:35:46.110" v="1860" actId="478"/>
-        <pc:sldMkLst>
-          <pc:docMk/>
-          <pc:sldMk cId="1170737802" sldId="326"/>
-        </pc:sldMkLst>
-        <pc:spChg chg="add mod">
-          <ac:chgData name="Jeff Xie" userId="b588c72e-c395-4f6e-8887-501c87873425" providerId="ADAL" clId="{D027C53D-F38D-4508-A1B8-6B24B4868238}" dt="2021-08-01T10:35:41.798" v="1859" actId="20577"/>
-          <ac:spMkLst>
-            <pc:docMk/>
-            <pc:sldMk cId="1170737802" sldId="326"/>
-            <ac:spMk id="4" creationId="{6AD2F9F2-9F00-49BE-864E-636E29634F61}"/>
-          </ac:spMkLst>
-        </pc:spChg>
-        <pc:spChg chg="del">
-          <ac:chgData name="Jeff Xie" userId="b588c72e-c395-4f6e-8887-501c87873425" providerId="ADAL" clId="{D027C53D-F38D-4508-A1B8-6B24B4868238}" dt="2021-08-01T10:35:46.110" v="1860" actId="478"/>
-          <ac:spMkLst>
-            <pc:docMk/>
-            <pc:sldMk cId="1170737802" sldId="326"/>
-            <ac:spMk id="9" creationId="{E636BAAC-4430-4544-9BEB-ADC8C6564E8D}"/>
-          </ac:spMkLst>
-        </pc:spChg>
-      </pc:sldChg>
-      <pc:sldChg chg="addSp delSp modSp mod">
-        <pc:chgData name="Jeff Xie" userId="b588c72e-c395-4f6e-8887-501c87873425" providerId="ADAL" clId="{D027C53D-F38D-4508-A1B8-6B24B4868238}" dt="2021-08-01T10:36:10.369" v="1895" actId="1076"/>
-        <pc:sldMkLst>
-          <pc:docMk/>
-          <pc:sldMk cId="2064146404" sldId="327"/>
-        </pc:sldMkLst>
-        <pc:spChg chg="mod">
-          <ac:chgData name="Jeff Xie" userId="b588c72e-c395-4f6e-8887-501c87873425" providerId="ADAL" clId="{D027C53D-F38D-4508-A1B8-6B24B4868238}" dt="2021-08-01T10:36:10.369" v="1895" actId="1076"/>
-          <ac:spMkLst>
-            <pc:docMk/>
-            <pc:sldMk cId="2064146404" sldId="327"/>
-            <ac:spMk id="3" creationId="{E71D7343-1B9A-480E-912A-96DA58DCB51E}"/>
-          </ac:spMkLst>
-        </pc:spChg>
-        <pc:spChg chg="add mod">
-          <ac:chgData name="Jeff Xie" userId="b588c72e-c395-4f6e-8887-501c87873425" providerId="ADAL" clId="{D027C53D-F38D-4508-A1B8-6B24B4868238}" dt="2021-08-01T10:35:59.950" v="1894" actId="20577"/>
-          <ac:spMkLst>
-            <pc:docMk/>
-            <pc:sldMk cId="2064146404" sldId="327"/>
-            <ac:spMk id="4" creationId="{D831656D-448B-452D-9874-9F9C6686DF9B}"/>
-          </ac:spMkLst>
-        </pc:spChg>
-        <pc:spChg chg="del">
-          <ac:chgData name="Jeff Xie" userId="b588c72e-c395-4f6e-8887-501c87873425" providerId="ADAL" clId="{D027C53D-F38D-4508-A1B8-6B24B4868238}" dt="2021-08-01T10:35:52.181" v="1862" actId="478"/>
-          <ac:spMkLst>
-            <pc:docMk/>
-            <pc:sldMk cId="2064146404" sldId="327"/>
-            <ac:spMk id="9" creationId="{E636BAAC-4430-4544-9BEB-ADC8C6564E8D}"/>
-          </ac:spMkLst>
-        </pc:spChg>
-      </pc:sldChg>
-      <pc:sldChg chg="modSp mod">
-        <pc:chgData name="Jeff Xie" userId="b588c72e-c395-4f6e-8887-501c87873425" providerId="ADAL" clId="{D027C53D-F38D-4508-A1B8-6B24B4868238}" dt="2021-08-01T10:36:30.590" v="1928" actId="20577"/>
-        <pc:sldMkLst>
-          <pc:docMk/>
-          <pc:sldMk cId="1383167817" sldId="328"/>
-        </pc:sldMkLst>
-        <pc:spChg chg="mod">
-          <ac:chgData name="Jeff Xie" userId="b588c72e-c395-4f6e-8887-501c87873425" providerId="ADAL" clId="{D027C53D-F38D-4508-A1B8-6B24B4868238}" dt="2021-08-01T10:36:30.590" v="1928" actId="20577"/>
-          <ac:spMkLst>
-            <pc:docMk/>
-            <pc:sldMk cId="1383167817" sldId="328"/>
-            <ac:spMk id="9" creationId="{E636BAAC-4430-4544-9BEB-ADC8C6564E8D}"/>
-          </ac:spMkLst>
-        </pc:spChg>
-      </pc:sldChg>
-      <pc:sldChg chg="modSp mod">
-        <pc:chgData name="Jeff Xie" userId="b588c72e-c395-4f6e-8887-501c87873425" providerId="ADAL" clId="{D027C53D-F38D-4508-A1B8-6B24B4868238}" dt="2021-08-01T10:36:49.382" v="1971" actId="1076"/>
-        <pc:sldMkLst>
-          <pc:docMk/>
-          <pc:sldMk cId="1785232495" sldId="329"/>
-        </pc:sldMkLst>
-        <pc:spChg chg="mod">
-          <ac:chgData name="Jeff Xie" userId="b588c72e-c395-4f6e-8887-501c87873425" providerId="ADAL" clId="{D027C53D-F38D-4508-A1B8-6B24B4868238}" dt="2021-08-01T10:35:04.865" v="1833" actId="27636"/>
-          <ac:spMkLst>
-            <pc:docMk/>
-            <pc:sldMk cId="1785232495" sldId="329"/>
-            <ac:spMk id="3" creationId="{E71D7343-1B9A-480E-912A-96DA58DCB51E}"/>
-          </ac:spMkLst>
-        </pc:spChg>
-        <pc:spChg chg="mod">
-          <ac:chgData name="Jeff Xie" userId="b588c72e-c395-4f6e-8887-501c87873425" providerId="ADAL" clId="{D027C53D-F38D-4508-A1B8-6B24B4868238}" dt="2021-08-01T10:36:49.382" v="1971" actId="1076"/>
-          <ac:spMkLst>
-            <pc:docMk/>
-            <pc:sldMk cId="1785232495" sldId="329"/>
-            <ac:spMk id="9" creationId="{E636BAAC-4430-4544-9BEB-ADC8C6564E8D}"/>
-          </ac:spMkLst>
-        </pc:spChg>
-      </pc:sldChg>
-      <pc:sldChg chg="addSp delSp modSp mod">
-        <pc:chgData name="Jeff Xie" userId="b588c72e-c395-4f6e-8887-501c87873425" providerId="ADAL" clId="{D027C53D-F38D-4508-A1B8-6B24B4868238}" dt="2021-08-01T10:38:00.886" v="2070" actId="20577"/>
-        <pc:sldMkLst>
-          <pc:docMk/>
-          <pc:sldMk cId="3855087911" sldId="330"/>
-        </pc:sldMkLst>
-        <pc:spChg chg="mod">
-          <ac:chgData name="Jeff Xie" userId="b588c72e-c395-4f6e-8887-501c87873425" providerId="ADAL" clId="{D027C53D-F38D-4508-A1B8-6B24B4868238}" dt="2021-08-01T10:35:04.897" v="1835" actId="27636"/>
-          <ac:spMkLst>
-            <pc:docMk/>
-            <pc:sldMk cId="3855087911" sldId="330"/>
-            <ac:spMk id="3" creationId="{E71D7343-1B9A-480E-912A-96DA58DCB51E}"/>
-          </ac:spMkLst>
-        </pc:spChg>
-        <pc:spChg chg="add del">
-          <ac:chgData name="Jeff Xie" userId="b588c72e-c395-4f6e-8887-501c87873425" providerId="ADAL" clId="{D027C53D-F38D-4508-A1B8-6B24B4868238}" dt="2021-08-01T10:37:42.020" v="2023" actId="22"/>
-          <ac:spMkLst>
-            <pc:docMk/>
-            <pc:sldMk cId="3855087911" sldId="330"/>
-            <ac:spMk id="5" creationId="{526964C8-DCC6-47BA-87B1-6E171D644A12}"/>
-          </ac:spMkLst>
-        </pc:spChg>
-        <pc:spChg chg="add mod">
-          <ac:chgData name="Jeff Xie" userId="b588c72e-c395-4f6e-8887-501c87873425" providerId="ADAL" clId="{D027C53D-F38D-4508-A1B8-6B24B4868238}" dt="2021-08-01T10:38:00.886" v="2070" actId="20577"/>
-          <ac:spMkLst>
-            <pc:docMk/>
-            <pc:sldMk cId="3855087911" sldId="330"/>
-            <ac:spMk id="6" creationId="{89F25561-5D2E-45C6-BE30-85B661590A24}"/>
-          </ac:spMkLst>
-        </pc:spChg>
-        <pc:spChg chg="del">
-          <ac:chgData name="Jeff Xie" userId="b588c72e-c395-4f6e-8887-501c87873425" providerId="ADAL" clId="{D027C53D-F38D-4508-A1B8-6B24B4868238}" dt="2021-08-01T10:35:22.393" v="1837" actId="478"/>
-          <ac:spMkLst>
-            <pc:docMk/>
-            <pc:sldMk cId="3855087911" sldId="330"/>
-            <ac:spMk id="9" creationId="{E636BAAC-4430-4544-9BEB-ADC8C6564E8D}"/>
-          </ac:spMkLst>
-        </pc:spChg>
-      </pc:sldChg>
-      <pc:sldChg chg="modSp mod delDesignElem">
-        <pc:chgData name="Jeff Xie" userId="b588c72e-c395-4f6e-8887-501c87873425" providerId="ADAL" clId="{D027C53D-F38D-4508-A1B8-6B24B4868238}" dt="2021-08-01T10:37:22.477" v="2021" actId="20577"/>
-        <pc:sldMkLst>
-          <pc:docMk/>
-          <pc:sldMk cId="2154030291" sldId="331"/>
-        </pc:sldMkLst>
-        <pc:spChg chg="mod">
-          <ac:chgData name="Jeff Xie" userId="b588c72e-c395-4f6e-8887-501c87873425" providerId="ADAL" clId="{D027C53D-F38D-4508-A1B8-6B24B4868238}" dt="2021-08-01T10:35:04.881" v="1834" actId="27636"/>
-          <ac:spMkLst>
-            <pc:docMk/>
-            <pc:sldMk cId="2154030291" sldId="331"/>
-            <ac:spMk id="3" creationId="{E71D7343-1B9A-480E-912A-96DA58DCB51E}"/>
-          </ac:spMkLst>
-        </pc:spChg>
-        <pc:spChg chg="mod">
-          <ac:chgData name="Jeff Xie" userId="b588c72e-c395-4f6e-8887-501c87873425" providerId="ADAL" clId="{D027C53D-F38D-4508-A1B8-6B24B4868238}" dt="2021-08-01T10:37:22.477" v="2021" actId="20577"/>
-          <ac:spMkLst>
-            <pc:docMk/>
-            <pc:sldMk cId="2154030291" sldId="331"/>
-            <ac:spMk id="9" creationId="{E636BAAC-4430-4544-9BEB-ADC8C6564E8D}"/>
-          </ac:spMkLst>
-        </pc:spChg>
-      </pc:sldChg>
-      <pc:sldChg chg="del">
-        <pc:chgData name="Jeff Xie" userId="b588c72e-c395-4f6e-8887-501c87873425" providerId="ADAL" clId="{D027C53D-F38D-4508-A1B8-6B24B4868238}" dt="2021-08-01T10:09:08.726" v="0" actId="2696"/>
-        <pc:sldMkLst>
-          <pc:docMk/>
-          <pc:sldMk cId="4293573525" sldId="355"/>
-        </pc:sldMkLst>
-      </pc:sldChg>
-      <pc:sldChg chg="modSp mod">
-        <pc:chgData name="Jeff Xie" userId="b588c72e-c395-4f6e-8887-501c87873425" providerId="ADAL" clId="{D027C53D-F38D-4508-A1B8-6B24B4868238}" dt="2021-08-01T10:30:56.035" v="1711" actId="20577"/>
-        <pc:sldMkLst>
-          <pc:docMk/>
-          <pc:sldMk cId="2486267647" sldId="356"/>
-        </pc:sldMkLst>
-        <pc:spChg chg="mod">
-          <ac:chgData name="Jeff Xie" userId="b588c72e-c395-4f6e-8887-501c87873425" providerId="ADAL" clId="{D027C53D-F38D-4508-A1B8-6B24B4868238}" dt="2021-08-01T10:09:44.842" v="24" actId="20577"/>
-          <ac:spMkLst>
-            <pc:docMk/>
-            <pc:sldMk cId="2486267647" sldId="356"/>
-            <ac:spMk id="2" creationId="{46062F55-782F-4247-9E84-65DECCD98FCB}"/>
-          </ac:spMkLst>
-        </pc:spChg>
-        <pc:spChg chg="mod">
-          <ac:chgData name="Jeff Xie" userId="b588c72e-c395-4f6e-8887-501c87873425" providerId="ADAL" clId="{D027C53D-F38D-4508-A1B8-6B24B4868238}" dt="2021-08-01T10:30:56.035" v="1711" actId="20577"/>
-          <ac:spMkLst>
-            <pc:docMk/>
-            <pc:sldMk cId="2486267647" sldId="356"/>
-            <ac:spMk id="3" creationId="{C25EC8B7-6D60-4593-BA53-5691579E2716}"/>
-          </ac:spMkLst>
-        </pc:spChg>
-      </pc:sldChg>
-      <pc:sldChg chg="modSp mod">
-        <pc:chgData name="Jeff Xie" userId="b588c72e-c395-4f6e-8887-501c87873425" providerId="ADAL" clId="{D027C53D-F38D-4508-A1B8-6B24B4868238}" dt="2021-08-01T10:13:43.185" v="128" actId="20577"/>
-        <pc:sldMkLst>
-          <pc:docMk/>
-          <pc:sldMk cId="1923526131" sldId="403"/>
-        </pc:sldMkLst>
-        <pc:spChg chg="mod">
-          <ac:chgData name="Jeff Xie" userId="b588c72e-c395-4f6e-8887-501c87873425" providerId="ADAL" clId="{D027C53D-F38D-4508-A1B8-6B24B4868238}" dt="2021-08-01T10:12:46.950" v="83" actId="20577"/>
-          <ac:spMkLst>
-            <pc:docMk/>
-            <pc:sldMk cId="1923526131" sldId="403"/>
-            <ac:spMk id="2" creationId="{864DFDF7-CF6D-43B0-93B6-8606A0A575E5}"/>
-          </ac:spMkLst>
-        </pc:spChg>
-        <pc:spChg chg="mod">
-          <ac:chgData name="Jeff Xie" userId="b588c72e-c395-4f6e-8887-501c87873425" providerId="ADAL" clId="{D027C53D-F38D-4508-A1B8-6B24B4868238}" dt="2021-08-01T10:13:43.185" v="128" actId="20577"/>
-          <ac:spMkLst>
-            <pc:docMk/>
-            <pc:sldMk cId="1923526131" sldId="403"/>
-            <ac:spMk id="3" creationId="{8F99FD6F-7F60-4D28-BE9A-9577E877C411}"/>
-          </ac:spMkLst>
-        </pc:spChg>
-      </pc:sldChg>
-      <pc:sldChg chg="del">
-        <pc:chgData name="Jeff Xie" userId="b588c72e-c395-4f6e-8887-501c87873425" providerId="ADAL" clId="{D027C53D-F38D-4508-A1B8-6B24B4868238}" dt="2021-08-01T10:35:14.112" v="1836" actId="47"/>
-        <pc:sldMkLst>
-          <pc:docMk/>
-          <pc:sldMk cId="1811449366" sldId="404"/>
-        </pc:sldMkLst>
-      </pc:sldChg>
-      <pc:sldChg chg="del">
-        <pc:chgData name="Jeff Xie" userId="b588c72e-c395-4f6e-8887-501c87873425" providerId="ADAL" clId="{D027C53D-F38D-4508-A1B8-6B24B4868238}" dt="2021-08-01T10:35:14.112" v="1836" actId="47"/>
-        <pc:sldMkLst>
-          <pc:docMk/>
-          <pc:sldMk cId="3422358248" sldId="405"/>
-        </pc:sldMkLst>
-      </pc:sldChg>
-      <pc:sldChg chg="del">
-        <pc:chgData name="Jeff Xie" userId="b588c72e-c395-4f6e-8887-501c87873425" providerId="ADAL" clId="{D027C53D-F38D-4508-A1B8-6B24B4868238}" dt="2021-08-01T10:35:14.112" v="1836" actId="47"/>
-        <pc:sldMkLst>
-          <pc:docMk/>
-          <pc:sldMk cId="1031868856" sldId="406"/>
-        </pc:sldMkLst>
-      </pc:sldChg>
-      <pc:sldChg chg="del">
-        <pc:chgData name="Jeff Xie" userId="b588c72e-c395-4f6e-8887-501c87873425" providerId="ADAL" clId="{D027C53D-F38D-4508-A1B8-6B24B4868238}" dt="2021-08-01T10:35:14.112" v="1836" actId="47"/>
-        <pc:sldMkLst>
-          <pc:docMk/>
-          <pc:sldMk cId="1726764776" sldId="407"/>
-        </pc:sldMkLst>
-      </pc:sldChg>
-      <pc:sldChg chg="del">
-        <pc:chgData name="Jeff Xie" userId="b588c72e-c395-4f6e-8887-501c87873425" providerId="ADAL" clId="{D027C53D-F38D-4508-A1B8-6B24B4868238}" dt="2021-08-01T10:35:14.112" v="1836" actId="47"/>
-        <pc:sldMkLst>
-          <pc:docMk/>
-          <pc:sldMk cId="1177058652" sldId="408"/>
-        </pc:sldMkLst>
-      </pc:sldChg>
-      <pc:sldChg chg="del">
-        <pc:chgData name="Jeff Xie" userId="b588c72e-c395-4f6e-8887-501c87873425" providerId="ADAL" clId="{D027C53D-F38D-4508-A1B8-6B24B4868238}" dt="2021-08-01T10:35:14.112" v="1836" actId="47"/>
-        <pc:sldMkLst>
-          <pc:docMk/>
-          <pc:sldMk cId="1721897771" sldId="409"/>
-        </pc:sldMkLst>
-      </pc:sldChg>
-      <pc:sldChg chg="del">
-        <pc:chgData name="Jeff Xie" userId="b588c72e-c395-4f6e-8887-501c87873425" providerId="ADAL" clId="{D027C53D-F38D-4508-A1B8-6B24B4868238}" dt="2021-08-01T10:35:14.112" v="1836" actId="47"/>
-        <pc:sldMkLst>
-          <pc:docMk/>
-          <pc:sldMk cId="2656155362" sldId="410"/>
-        </pc:sldMkLst>
-      </pc:sldChg>
-      <pc:sldChg chg="del">
-        <pc:chgData name="Jeff Xie" userId="b588c72e-c395-4f6e-8887-501c87873425" providerId="ADAL" clId="{D027C53D-F38D-4508-A1B8-6B24B4868238}" dt="2021-08-01T10:35:14.112" v="1836" actId="47"/>
-        <pc:sldMkLst>
-          <pc:docMk/>
-          <pc:sldMk cId="3867952108" sldId="411"/>
-        </pc:sldMkLst>
-      </pc:sldChg>
-      <pc:sldChg chg="del">
-        <pc:chgData name="Jeff Xie" userId="b588c72e-c395-4f6e-8887-501c87873425" providerId="ADAL" clId="{D027C53D-F38D-4508-A1B8-6B24B4868238}" dt="2021-08-01T10:35:14.112" v="1836" actId="47"/>
-        <pc:sldMkLst>
-          <pc:docMk/>
-          <pc:sldMk cId="681495566" sldId="412"/>
-        </pc:sldMkLst>
-      </pc:sldChg>
-      <pc:sldChg chg="del">
-        <pc:chgData name="Jeff Xie" userId="b588c72e-c395-4f6e-8887-501c87873425" providerId="ADAL" clId="{D027C53D-F38D-4508-A1B8-6B24B4868238}" dt="2021-08-01T10:35:14.112" v="1836" actId="47"/>
-        <pc:sldMkLst>
-          <pc:docMk/>
-          <pc:sldMk cId="1268958480" sldId="413"/>
-        </pc:sldMkLst>
-      </pc:sldChg>
-      <pc:sldChg chg="modSp del mod">
-        <pc:chgData name="Jeff Xie" userId="b588c72e-c395-4f6e-8887-501c87873425" providerId="ADAL" clId="{D027C53D-F38D-4508-A1B8-6B24B4868238}" dt="2021-08-01T10:33:10.480" v="1777" actId="2696"/>
-        <pc:sldMkLst>
-          <pc:docMk/>
-          <pc:sldMk cId="1074049617" sldId="414"/>
-        </pc:sldMkLst>
-        <pc:spChg chg="mod">
-          <ac:chgData name="Jeff Xie" userId="b588c72e-c395-4f6e-8887-501c87873425" providerId="ADAL" clId="{D027C53D-F38D-4508-A1B8-6B24B4868238}" dt="2021-08-01T10:31:18.770" v="1763" actId="20577"/>
-          <ac:spMkLst>
-            <pc:docMk/>
-            <pc:sldMk cId="1074049617" sldId="414"/>
-            <ac:spMk id="2" creationId="{864DFDF7-CF6D-43B0-93B6-8606A0A575E5}"/>
-          </ac:spMkLst>
-        </pc:spChg>
-      </pc:sldChg>
-      <pc:sldChg chg="modSp mod">
-        <pc:chgData name="Jeff Xie" userId="b588c72e-c395-4f6e-8887-501c87873425" providerId="ADAL" clId="{D027C53D-F38D-4508-A1B8-6B24B4868238}" dt="2021-08-01T10:17:19.056" v="253" actId="20577"/>
-        <pc:sldMkLst>
-          <pc:docMk/>
-          <pc:sldMk cId="1945142872" sldId="415"/>
-        </pc:sldMkLst>
-        <pc:spChg chg="mod">
-          <ac:chgData name="Jeff Xie" userId="b588c72e-c395-4f6e-8887-501c87873425" providerId="ADAL" clId="{D027C53D-F38D-4508-A1B8-6B24B4868238}" dt="2021-08-01T10:14:05.277" v="170" actId="20577"/>
-          <ac:spMkLst>
-            <pc:docMk/>
-            <pc:sldMk cId="1945142872" sldId="415"/>
-            <ac:spMk id="2" creationId="{D21D0B22-3024-4BAB-915C-6804075F8A7C}"/>
-          </ac:spMkLst>
-        </pc:spChg>
-        <pc:spChg chg="mod">
-          <ac:chgData name="Jeff Xie" userId="b588c72e-c395-4f6e-8887-501c87873425" providerId="ADAL" clId="{D027C53D-F38D-4508-A1B8-6B24B4868238}" dt="2021-08-01T10:17:19.056" v="253" actId="20577"/>
-          <ac:spMkLst>
-            <pc:docMk/>
-            <pc:sldMk cId="1945142872" sldId="415"/>
-            <ac:spMk id="3" creationId="{60007F65-4571-408B-973A-6B7842D170AE}"/>
-          </ac:spMkLst>
-        </pc:spChg>
-      </pc:sldChg>
-      <pc:sldChg chg="del">
-        <pc:chgData name="Jeff Xie" userId="b588c72e-c395-4f6e-8887-501c87873425" providerId="ADAL" clId="{D027C53D-F38D-4508-A1B8-6B24B4868238}" dt="2021-08-01T10:30:07.912" v="1660" actId="2696"/>
-        <pc:sldMkLst>
-          <pc:docMk/>
-          <pc:sldMk cId="751291094" sldId="416"/>
-        </pc:sldMkLst>
-      </pc:sldChg>
-      <pc:sldChg chg="del">
-        <pc:chgData name="Jeff Xie" userId="b588c72e-c395-4f6e-8887-501c87873425" providerId="ADAL" clId="{D027C53D-F38D-4508-A1B8-6B24B4868238}" dt="2021-08-01T10:35:14.112" v="1836" actId="47"/>
-        <pc:sldMkLst>
-          <pc:docMk/>
-          <pc:sldMk cId="3266140731" sldId="417"/>
-        </pc:sldMkLst>
-      </pc:sldChg>
-      <pc:sldChg chg="addSp modSp add mod">
-        <pc:chgData name="Jeff Xie" userId="b588c72e-c395-4f6e-8887-501c87873425" providerId="ADAL" clId="{D027C53D-F38D-4508-A1B8-6B24B4868238}" dt="2021-08-01T10:22:13.189" v="581" actId="12385"/>
-        <pc:sldMkLst>
-          <pc:docMk/>
-          <pc:sldMk cId="2218444640" sldId="418"/>
-        </pc:sldMkLst>
-        <pc:spChg chg="mod">
-          <ac:chgData name="Jeff Xie" userId="b588c72e-c395-4f6e-8887-501c87873425" providerId="ADAL" clId="{D027C53D-F38D-4508-A1B8-6B24B4868238}" dt="2021-08-01T10:21:42.407" v="574" actId="6549"/>
-          <ac:spMkLst>
-            <pc:docMk/>
-            <pc:sldMk cId="2218444640" sldId="418"/>
-            <ac:spMk id="3" creationId="{60007F65-4571-408B-973A-6B7842D170AE}"/>
-          </ac:spMkLst>
-        </pc:spChg>
-        <pc:graphicFrameChg chg="add mod modGraphic">
-          <ac:chgData name="Jeff Xie" userId="b588c72e-c395-4f6e-8887-501c87873425" providerId="ADAL" clId="{D027C53D-F38D-4508-A1B8-6B24B4868238}" dt="2021-08-01T10:22:13.189" v="581" actId="12385"/>
-          <ac:graphicFrameMkLst>
-            <pc:docMk/>
-            <pc:sldMk cId="2218444640" sldId="418"/>
-            <ac:graphicFrameMk id="4" creationId="{BC974D3A-703A-4D59-BCDA-B48CC7ED9194}"/>
-          </ac:graphicFrameMkLst>
-        </pc:graphicFrameChg>
-      </pc:sldChg>
-      <pc:sldChg chg="modSp add mod ord">
-        <pc:chgData name="Jeff Xie" userId="b588c72e-c395-4f6e-8887-501c87873425" providerId="ADAL" clId="{D027C53D-F38D-4508-A1B8-6B24B4868238}" dt="2021-08-01T10:22:42.532" v="585"/>
-        <pc:sldMkLst>
-          <pc:docMk/>
-          <pc:sldMk cId="1876457694" sldId="419"/>
-        </pc:sldMkLst>
-        <pc:spChg chg="mod">
-          <ac:chgData name="Jeff Xie" userId="b588c72e-c395-4f6e-8887-501c87873425" providerId="ADAL" clId="{D027C53D-F38D-4508-A1B8-6B24B4868238}" dt="2021-08-01T10:22:42.532" v="585"/>
-          <ac:spMkLst>
-            <pc:docMk/>
-            <pc:sldMk cId="1876457694" sldId="419"/>
-            <ac:spMk id="3" creationId="{60007F65-4571-408B-973A-6B7842D170AE}"/>
-          </ac:spMkLst>
-        </pc:spChg>
-      </pc:sldChg>
-      <pc:sldChg chg="modSp add mod">
-        <pc:chgData name="Jeff Xie" userId="b588c72e-c395-4f6e-8887-501c87873425" providerId="ADAL" clId="{D027C53D-F38D-4508-A1B8-6B24B4868238}" dt="2021-08-01T10:25:34.272" v="896" actId="20577"/>
-        <pc:sldMkLst>
-          <pc:docMk/>
-          <pc:sldMk cId="1556550179" sldId="420"/>
-        </pc:sldMkLst>
-        <pc:spChg chg="mod">
-          <ac:chgData name="Jeff Xie" userId="b588c72e-c395-4f6e-8887-501c87873425" providerId="ADAL" clId="{D027C53D-F38D-4508-A1B8-6B24B4868238}" dt="2021-08-01T10:25:34.272" v="896" actId="20577"/>
-          <ac:spMkLst>
-            <pc:docMk/>
-            <pc:sldMk cId="1556550179" sldId="420"/>
-            <ac:spMk id="3" creationId="{60007F65-4571-408B-973A-6B7842D170AE}"/>
-          </ac:spMkLst>
-        </pc:spChg>
-      </pc:sldChg>
-      <pc:sldChg chg="modSp add mod ord">
-        <pc:chgData name="Jeff Xie" userId="b588c72e-c395-4f6e-8887-501c87873425" providerId="ADAL" clId="{D027C53D-F38D-4508-A1B8-6B24B4868238}" dt="2021-08-01T10:27:36.897" v="1158" actId="20577"/>
-        <pc:sldMkLst>
-          <pc:docMk/>
-          <pc:sldMk cId="808046932" sldId="421"/>
-        </pc:sldMkLst>
-        <pc:spChg chg="mod">
-          <ac:chgData name="Jeff Xie" userId="b588c72e-c395-4f6e-8887-501c87873425" providerId="ADAL" clId="{D027C53D-F38D-4508-A1B8-6B24B4868238}" dt="2021-08-01T10:26:08.717" v="957" actId="20577"/>
-          <ac:spMkLst>
-            <pc:docMk/>
-            <pc:sldMk cId="808046932" sldId="421"/>
-            <ac:spMk id="3" creationId="{60007F65-4571-408B-973A-6B7842D170AE}"/>
-          </ac:spMkLst>
-        </pc:spChg>
-        <pc:graphicFrameChg chg="modGraphic">
-          <ac:chgData name="Jeff Xie" userId="b588c72e-c395-4f6e-8887-501c87873425" providerId="ADAL" clId="{D027C53D-F38D-4508-A1B8-6B24B4868238}" dt="2021-08-01T10:27:36.897" v="1158" actId="20577"/>
-          <ac:graphicFrameMkLst>
-            <pc:docMk/>
-            <pc:sldMk cId="808046932" sldId="421"/>
-            <ac:graphicFrameMk id="4" creationId="{BC974D3A-703A-4D59-BCDA-B48CC7ED9194}"/>
-          </ac:graphicFrameMkLst>
-        </pc:graphicFrameChg>
-      </pc:sldChg>
-      <pc:sldChg chg="modSp add mod ord">
-        <pc:chgData name="Jeff Xie" userId="b588c72e-c395-4f6e-8887-501c87873425" providerId="ADAL" clId="{D027C53D-F38D-4508-A1B8-6B24B4868238}" dt="2021-08-01T10:30:03.053" v="1659" actId="20577"/>
-        <pc:sldMkLst>
-          <pc:docMk/>
-          <pc:sldMk cId="475873073" sldId="422"/>
-        </pc:sldMkLst>
-        <pc:spChg chg="mod">
-          <ac:chgData name="Jeff Xie" userId="b588c72e-c395-4f6e-8887-501c87873425" providerId="ADAL" clId="{D027C53D-F38D-4508-A1B8-6B24B4868238}" dt="2021-08-01T10:30:03.053" v="1659" actId="20577"/>
-          <ac:spMkLst>
-            <pc:docMk/>
-            <pc:sldMk cId="475873073" sldId="422"/>
-            <ac:spMk id="3" creationId="{60007F65-4571-408B-973A-6B7842D170AE}"/>
-          </ac:spMkLst>
-        </pc:spChg>
+            <pc:sldMk cId="117798167" sldId="393"/>
+            <ac:picMk id="1026" creationId="{0A5390A3-4EC7-4776-B48C-74F451C1CF9F}"/>
+          </ac:picMkLst>
+        </pc:picChg>
       </pc:sldChg>
     </pc:docChg>
   </pc:docChgLst>
@@ -1350,7 +1350,7 @@
           <a:p>
             <a:fld id="{6C75D6C2-67D4-4BB4-BBD0-00E30990B7C3}" type="datetimeFigureOut">
               <a:rPr lang="en-AU" smtClean="0"/>
-              <a:t>1/08/2021</a:t>
+              <a:t>12/09/2022</a:t>
             </a:fld>
             <a:endParaRPr lang="en-AU"/>
           </a:p>
@@ -2625,7 +2625,7 @@
           <a:p>
             <a:fld id="{D9D09461-68A3-450D-B9CB-9BCFB1E8CC05}" type="datetimeFigureOut">
               <a:rPr lang="en-AU" smtClean="0"/>
-              <a:t>1/08/2021</a:t>
+              <a:t>12/09/2022</a:t>
             </a:fld>
             <a:endParaRPr lang="en-AU"/>
           </a:p>
@@ -2825,7 +2825,7 @@
           <a:p>
             <a:fld id="{D9D09461-68A3-450D-B9CB-9BCFB1E8CC05}" type="datetimeFigureOut">
               <a:rPr lang="en-AU" smtClean="0"/>
-              <a:t>1/08/2021</a:t>
+              <a:t>12/09/2022</a:t>
             </a:fld>
             <a:endParaRPr lang="en-AU"/>
           </a:p>
@@ -3035,7 +3035,7 @@
           <a:p>
             <a:fld id="{D9D09461-68A3-450D-B9CB-9BCFB1E8CC05}" type="datetimeFigureOut">
               <a:rPr lang="en-AU" smtClean="0"/>
-              <a:t>1/08/2021</a:t>
+              <a:t>12/09/2022</a:t>
             </a:fld>
             <a:endParaRPr lang="en-AU"/>
           </a:p>
@@ -3158,7 +3158,7 @@
           <a:noFill/>
           <a:extLst>
             <a:ext uri="{909E8E84-426E-40dd-AFC4-6F175D3DCCD1}">
-              <a14:hiddenFill xmlns:a14="http://schemas.microsoft.com/office/drawing/2010/main" xmlns="">
+              <a14:hiddenFill xmlns="" xmlns:a14="http://schemas.microsoft.com/office/drawing/2010/main">
                 <a:solidFill>
                   <a:srgbClr val="FFFFFF"/>
                 </a:solidFill>
@@ -3218,7 +3218,7 @@
             </a:ln>
             <a:extLst>
               <a:ext uri="{91240B29-F687-4f45-9708-019B960494DF}">
-                <a14:hiddenLine xmlns:a14="http://schemas.microsoft.com/office/drawing/2010/main" xmlns="" w="9525">
+                <a14:hiddenLine xmlns="" xmlns:a14="http://schemas.microsoft.com/office/drawing/2010/main" w="9525">
                   <a:solidFill>
                     <a:srgbClr val="000000"/>
                   </a:solidFill>
@@ -3308,7 +3308,7 @@
             </a:ln>
             <a:extLst>
               <a:ext uri="{91240B29-F687-4f45-9708-019B960494DF}">
-                <a14:hiddenLine xmlns:a14="http://schemas.microsoft.com/office/drawing/2010/main" xmlns="" w="9525">
+                <a14:hiddenLine xmlns="" xmlns:a14="http://schemas.microsoft.com/office/drawing/2010/main" w="9525">
                   <a:solidFill>
                     <a:srgbClr val="000000"/>
                   </a:solidFill>
@@ -3398,7 +3398,7 @@
             </a:ln>
             <a:extLst>
               <a:ext uri="{91240B29-F687-4f45-9708-019B960494DF}">
-                <a14:hiddenLine xmlns:a14="http://schemas.microsoft.com/office/drawing/2010/main" xmlns="" w="9525">
+                <a14:hiddenLine xmlns="" xmlns:a14="http://schemas.microsoft.com/office/drawing/2010/main" w="9525">
                   <a:solidFill>
                     <a:srgbClr val="000000"/>
                   </a:solidFill>
@@ -3432,7 +3432,7 @@
             </a:ln>
             <a:extLst>
               <a:ext uri="{91240B29-F687-4f45-9708-019B960494DF}">
-                <a14:hiddenLine xmlns:a14="http://schemas.microsoft.com/office/drawing/2010/main" xmlns="" w="9525">
+                <a14:hiddenLine xmlns="" xmlns:a14="http://schemas.microsoft.com/office/drawing/2010/main" w="9525">
                   <a:solidFill>
                     <a:srgbClr val="000000"/>
                   </a:solidFill>
@@ -3522,7 +3522,7 @@
             </a:ln>
             <a:extLst>
               <a:ext uri="{91240B29-F687-4f45-9708-019B960494DF}">
-                <a14:hiddenLine xmlns:a14="http://schemas.microsoft.com/office/drawing/2010/main" xmlns="" w="9525">
+                <a14:hiddenLine xmlns="" xmlns:a14="http://schemas.microsoft.com/office/drawing/2010/main" w="9525">
                   <a:solidFill>
                     <a:srgbClr val="000000"/>
                   </a:solidFill>
@@ -3584,7 +3584,7 @@
             </a:ln>
             <a:extLst>
               <a:ext uri="{91240B29-F687-4f45-9708-019B960494DF}">
-                <a14:hiddenLine xmlns:a14="http://schemas.microsoft.com/office/drawing/2010/main" xmlns="" w="9525">
+                <a14:hiddenLine xmlns="" xmlns:a14="http://schemas.microsoft.com/office/drawing/2010/main" w="9525">
                   <a:solidFill>
                     <a:srgbClr val="000000"/>
                   </a:solidFill>
@@ -3646,7 +3646,7 @@
             </a:ln>
             <a:extLst>
               <a:ext uri="{91240B29-F687-4f45-9708-019B960494DF}">
-                <a14:hiddenLine xmlns:a14="http://schemas.microsoft.com/office/drawing/2010/main" xmlns="" w="9525">
+                <a14:hiddenLine xmlns="" xmlns:a14="http://schemas.microsoft.com/office/drawing/2010/main" w="9525">
                   <a:solidFill>
                     <a:srgbClr val="000000"/>
                   </a:solidFill>
@@ -3736,7 +3736,7 @@
             </a:ln>
             <a:extLst>
               <a:ext uri="{91240B29-F687-4f45-9708-019B960494DF}">
-                <a14:hiddenLine xmlns:a14="http://schemas.microsoft.com/office/drawing/2010/main" xmlns="" w="9525">
+                <a14:hiddenLine xmlns="" xmlns:a14="http://schemas.microsoft.com/office/drawing/2010/main" w="9525">
                   <a:solidFill>
                     <a:srgbClr val="000000"/>
                   </a:solidFill>
@@ -3798,7 +3798,7 @@
             </a:ln>
             <a:extLst>
               <a:ext uri="{91240B29-F687-4f45-9708-019B960494DF}">
-                <a14:hiddenLine xmlns:a14="http://schemas.microsoft.com/office/drawing/2010/main" xmlns="" w="9525">
+                <a14:hiddenLine xmlns="" xmlns:a14="http://schemas.microsoft.com/office/drawing/2010/main" w="9525">
                   <a:solidFill>
                     <a:srgbClr val="000000"/>
                   </a:solidFill>
@@ -3860,7 +3860,7 @@
             </a:ln>
             <a:extLst>
               <a:ext uri="{91240B29-F687-4f45-9708-019B960494DF}">
-                <a14:hiddenLine xmlns:a14="http://schemas.microsoft.com/office/drawing/2010/main" xmlns="" w="9525">
+                <a14:hiddenLine xmlns="" xmlns:a14="http://schemas.microsoft.com/office/drawing/2010/main" w="9525">
                   <a:solidFill>
                     <a:srgbClr val="000000"/>
                   </a:solidFill>
@@ -3950,7 +3950,7 @@
             </a:ln>
             <a:extLst>
               <a:ext uri="{91240B29-F687-4f45-9708-019B960494DF}">
-                <a14:hiddenLine xmlns:a14="http://schemas.microsoft.com/office/drawing/2010/main" xmlns="" w="9525">
+                <a14:hiddenLine xmlns="" xmlns:a14="http://schemas.microsoft.com/office/drawing/2010/main" w="9525">
                   <a:solidFill>
                     <a:srgbClr val="000000"/>
                   </a:solidFill>
@@ -4040,7 +4040,7 @@
             </a:ln>
             <a:extLst>
               <a:ext uri="{91240B29-F687-4f45-9708-019B960494DF}">
-                <a14:hiddenLine xmlns:a14="http://schemas.microsoft.com/office/drawing/2010/main" xmlns="" w="9525">
+                <a14:hiddenLine xmlns="" xmlns:a14="http://schemas.microsoft.com/office/drawing/2010/main" w="9525">
                   <a:solidFill>
                     <a:srgbClr val="000000"/>
                   </a:solidFill>
@@ -4102,7 +4102,7 @@
             </a:ln>
             <a:extLst>
               <a:ext uri="{91240B29-F687-4f45-9708-019B960494DF}">
-                <a14:hiddenLine xmlns:a14="http://schemas.microsoft.com/office/drawing/2010/main" xmlns="" w="9525">
+                <a14:hiddenLine xmlns="" xmlns:a14="http://schemas.microsoft.com/office/drawing/2010/main" w="9525">
                   <a:solidFill>
                     <a:srgbClr val="000000"/>
                   </a:solidFill>
@@ -4212,7 +4212,7 @@
             </a:ln>
             <a:extLst>
               <a:ext uri="{91240B29-F687-4f45-9708-019B960494DF}">
-                <a14:hiddenLine xmlns:a14="http://schemas.microsoft.com/office/drawing/2010/main" xmlns="" w="9525">
+                <a14:hiddenLine xmlns="" xmlns:a14="http://schemas.microsoft.com/office/drawing/2010/main" w="9525">
                   <a:solidFill>
                     <a:srgbClr val="000000"/>
                   </a:solidFill>
@@ -4274,7 +4274,7 @@
             </a:ln>
             <a:extLst>
               <a:ext uri="{91240B29-F687-4f45-9708-019B960494DF}">
-                <a14:hiddenLine xmlns:a14="http://schemas.microsoft.com/office/drawing/2010/main" xmlns="" w="9525">
+                <a14:hiddenLine xmlns="" xmlns:a14="http://schemas.microsoft.com/office/drawing/2010/main" w="9525">
                   <a:solidFill>
                     <a:srgbClr val="000000"/>
                   </a:solidFill>
@@ -4364,7 +4364,7 @@
             </a:ln>
             <a:extLst>
               <a:ext uri="{91240B29-F687-4f45-9708-019B960494DF}">
-                <a14:hiddenLine xmlns:a14="http://schemas.microsoft.com/office/drawing/2010/main" xmlns="" w="9525">
+                <a14:hiddenLine xmlns="" xmlns:a14="http://schemas.microsoft.com/office/drawing/2010/main" w="9525">
                   <a:solidFill>
                     <a:srgbClr val="000000"/>
                   </a:solidFill>
@@ -4454,7 +4454,7 @@
             </a:ln>
             <a:extLst>
               <a:ext uri="{91240B29-F687-4f45-9708-019B960494DF}">
-                <a14:hiddenLine xmlns:a14="http://schemas.microsoft.com/office/drawing/2010/main" xmlns="" w="9525">
+                <a14:hiddenLine xmlns="" xmlns:a14="http://schemas.microsoft.com/office/drawing/2010/main" w="9525">
                   <a:solidFill>
                     <a:srgbClr val="000000"/>
                   </a:solidFill>
@@ -4516,7 +4516,7 @@
             </a:ln>
             <a:extLst>
               <a:ext uri="{91240B29-F687-4f45-9708-019B960494DF}">
-                <a14:hiddenLine xmlns:a14="http://schemas.microsoft.com/office/drawing/2010/main" xmlns="" w="9525">
+                <a14:hiddenLine xmlns="" xmlns:a14="http://schemas.microsoft.com/office/drawing/2010/main" w="9525">
                   <a:solidFill>
                     <a:srgbClr val="000000"/>
                   </a:solidFill>
@@ -4606,7 +4606,7 @@
             </a:ln>
             <a:extLst>
               <a:ext uri="{91240B29-F687-4f45-9708-019B960494DF}">
-                <a14:hiddenLine xmlns:a14="http://schemas.microsoft.com/office/drawing/2010/main" xmlns="" w="9525">
+                <a14:hiddenLine xmlns="" xmlns:a14="http://schemas.microsoft.com/office/drawing/2010/main" w="9525">
                   <a:solidFill>
                     <a:srgbClr val="000000"/>
                   </a:solidFill>
@@ -4696,7 +4696,7 @@
             </a:ln>
             <a:extLst>
               <a:ext uri="{91240B29-F687-4f45-9708-019B960494DF}">
-                <a14:hiddenLine xmlns:a14="http://schemas.microsoft.com/office/drawing/2010/main" xmlns="" w="9525">
+                <a14:hiddenLine xmlns="" xmlns:a14="http://schemas.microsoft.com/office/drawing/2010/main" w="9525">
                   <a:solidFill>
                     <a:srgbClr val="000000"/>
                   </a:solidFill>
@@ -4752,7 +4752,7 @@
             </a:ln>
             <a:extLst>
               <a:ext uri="{91240B29-F687-4f45-9708-019B960494DF}">
-                <a14:hiddenLine xmlns:a14="http://schemas.microsoft.com/office/drawing/2010/main" xmlns="" w="9525">
+                <a14:hiddenLine xmlns="" xmlns:a14="http://schemas.microsoft.com/office/drawing/2010/main" w="9525">
                   <a:solidFill>
                     <a:srgbClr val="000000"/>
                   </a:solidFill>
@@ -4842,7 +4842,7 @@
             </a:ln>
             <a:extLst>
               <a:ext uri="{91240B29-F687-4f45-9708-019B960494DF}">
-                <a14:hiddenLine xmlns:a14="http://schemas.microsoft.com/office/drawing/2010/main" xmlns="" w="9525">
+                <a14:hiddenLine xmlns="" xmlns:a14="http://schemas.microsoft.com/office/drawing/2010/main" w="9525">
                   <a:solidFill>
                     <a:srgbClr val="000000"/>
                   </a:solidFill>
@@ -4898,7 +4898,7 @@
             </a:ln>
             <a:extLst>
               <a:ext uri="{91240B29-F687-4f45-9708-019B960494DF}">
-                <a14:hiddenLine xmlns:a14="http://schemas.microsoft.com/office/drawing/2010/main" xmlns="" w="9525">
+                <a14:hiddenLine xmlns="" xmlns:a14="http://schemas.microsoft.com/office/drawing/2010/main" w="9525">
                   <a:solidFill>
                     <a:srgbClr val="000000"/>
                   </a:solidFill>
@@ -4988,7 +4988,7 @@
             </a:ln>
             <a:extLst>
               <a:ext uri="{91240B29-F687-4f45-9708-019B960494DF}">
-                <a14:hiddenLine xmlns:a14="http://schemas.microsoft.com/office/drawing/2010/main" xmlns="" w="9525">
+                <a14:hiddenLine xmlns="" xmlns:a14="http://schemas.microsoft.com/office/drawing/2010/main" w="9525">
                   <a:solidFill>
                     <a:srgbClr val="000000"/>
                   </a:solidFill>
@@ -5056,7 +5056,7 @@
             </a:ln>
             <a:extLst>
               <a:ext uri="{91240B29-F687-4f45-9708-019B960494DF}">
-                <a14:hiddenLine xmlns:a14="http://schemas.microsoft.com/office/drawing/2010/main" xmlns="" w="9525">
+                <a14:hiddenLine xmlns="" xmlns:a14="http://schemas.microsoft.com/office/drawing/2010/main" w="9525">
                   <a:solidFill>
                     <a:srgbClr val="000000"/>
                   </a:solidFill>
@@ -5146,7 +5146,7 @@
             </a:ln>
             <a:extLst>
               <a:ext uri="{91240B29-F687-4f45-9708-019B960494DF}">
-                <a14:hiddenLine xmlns:a14="http://schemas.microsoft.com/office/drawing/2010/main" xmlns="" w="9525">
+                <a14:hiddenLine xmlns="" xmlns:a14="http://schemas.microsoft.com/office/drawing/2010/main" w="9525">
                   <a:solidFill>
                     <a:srgbClr val="000000"/>
                   </a:solidFill>
@@ -5214,7 +5214,7 @@
             </a:ln>
             <a:extLst>
               <a:ext uri="{91240B29-F687-4f45-9708-019B960494DF}">
-                <a14:hiddenLine xmlns:a14="http://schemas.microsoft.com/office/drawing/2010/main" xmlns="" w="9525">
+                <a14:hiddenLine xmlns="" xmlns:a14="http://schemas.microsoft.com/office/drawing/2010/main" w="9525">
                   <a:solidFill>
                     <a:srgbClr val="000000"/>
                   </a:solidFill>
@@ -5304,7 +5304,7 @@
             </a:ln>
             <a:extLst>
               <a:ext uri="{91240B29-F687-4f45-9708-019B960494DF}">
-                <a14:hiddenLine xmlns:a14="http://schemas.microsoft.com/office/drawing/2010/main" xmlns="" w="9525">
+                <a14:hiddenLine xmlns="" xmlns:a14="http://schemas.microsoft.com/office/drawing/2010/main" w="9525">
                   <a:solidFill>
                     <a:srgbClr val="000000"/>
                   </a:solidFill>
@@ -5338,7 +5338,7 @@
             </a:ln>
             <a:extLst>
               <a:ext uri="{91240B29-F687-4f45-9708-019B960494DF}">
-                <a14:hiddenLine xmlns:a14="http://schemas.microsoft.com/office/drawing/2010/main" xmlns="" w="9525">
+                <a14:hiddenLine xmlns="" xmlns:a14="http://schemas.microsoft.com/office/drawing/2010/main" w="9525">
                   <a:solidFill>
                     <a:srgbClr val="000000"/>
                   </a:solidFill>
@@ -5428,7 +5428,7 @@
             </a:ln>
             <a:extLst>
               <a:ext uri="{91240B29-F687-4f45-9708-019B960494DF}">
-                <a14:hiddenLine xmlns:a14="http://schemas.microsoft.com/office/drawing/2010/main" xmlns="" w="9525">
+                <a14:hiddenLine xmlns="" xmlns:a14="http://schemas.microsoft.com/office/drawing/2010/main" w="9525">
                   <a:solidFill>
                     <a:srgbClr val="000000"/>
                   </a:solidFill>
@@ -5490,7 +5490,7 @@
             </a:ln>
             <a:extLst>
               <a:ext uri="{91240B29-F687-4f45-9708-019B960494DF}">
-                <a14:hiddenLine xmlns:a14="http://schemas.microsoft.com/office/drawing/2010/main" xmlns="" w="9525">
+                <a14:hiddenLine xmlns="" xmlns:a14="http://schemas.microsoft.com/office/drawing/2010/main" w="9525">
                   <a:solidFill>
                     <a:srgbClr val="000000"/>
                   </a:solidFill>
@@ -5552,7 +5552,7 @@
             </a:ln>
             <a:extLst>
               <a:ext uri="{91240B29-F687-4f45-9708-019B960494DF}">
-                <a14:hiddenLine xmlns:a14="http://schemas.microsoft.com/office/drawing/2010/main" xmlns="" w="9525">
+                <a14:hiddenLine xmlns="" xmlns:a14="http://schemas.microsoft.com/office/drawing/2010/main" w="9525">
                   <a:solidFill>
                     <a:srgbClr val="000000"/>
                   </a:solidFill>
@@ -5642,7 +5642,7 @@
             </a:ln>
             <a:extLst>
               <a:ext uri="{91240B29-F687-4f45-9708-019B960494DF}">
-                <a14:hiddenLine xmlns:a14="http://schemas.microsoft.com/office/drawing/2010/main" xmlns="" w="9525">
+                <a14:hiddenLine xmlns="" xmlns:a14="http://schemas.microsoft.com/office/drawing/2010/main" w="9525">
                   <a:solidFill>
                     <a:srgbClr val="000000"/>
                   </a:solidFill>
@@ -5710,7 +5710,7 @@
             </a:ln>
             <a:extLst>
               <a:ext uri="{91240B29-F687-4f45-9708-019B960494DF}">
-                <a14:hiddenLine xmlns:a14="http://schemas.microsoft.com/office/drawing/2010/main" xmlns="" w="9525">
+                <a14:hiddenLine xmlns="" xmlns:a14="http://schemas.microsoft.com/office/drawing/2010/main" w="9525">
                   <a:solidFill>
                     <a:srgbClr val="000000"/>
                   </a:solidFill>
@@ -5772,7 +5772,7 @@
             </a:ln>
             <a:extLst>
               <a:ext uri="{91240B29-F687-4f45-9708-019B960494DF}">
-                <a14:hiddenLine xmlns:a14="http://schemas.microsoft.com/office/drawing/2010/main" xmlns="" w="9525">
+                <a14:hiddenLine xmlns="" xmlns:a14="http://schemas.microsoft.com/office/drawing/2010/main" w="9525">
                   <a:solidFill>
                     <a:srgbClr val="000000"/>
                   </a:solidFill>
@@ -5862,7 +5862,7 @@
             </a:ln>
             <a:extLst>
               <a:ext uri="{91240B29-F687-4f45-9708-019B960494DF}">
-                <a14:hiddenLine xmlns:a14="http://schemas.microsoft.com/office/drawing/2010/main" xmlns="" w="9525">
+                <a14:hiddenLine xmlns="" xmlns:a14="http://schemas.microsoft.com/office/drawing/2010/main" w="9525">
                   <a:solidFill>
                     <a:srgbClr val="000000"/>
                   </a:solidFill>
@@ -5924,7 +5924,7 @@
             </a:ln>
             <a:extLst>
               <a:ext uri="{91240B29-F687-4f45-9708-019B960494DF}">
-                <a14:hiddenLine xmlns:a14="http://schemas.microsoft.com/office/drawing/2010/main" xmlns="" w="9525">
+                <a14:hiddenLine xmlns="" xmlns:a14="http://schemas.microsoft.com/office/drawing/2010/main" w="9525">
                   <a:solidFill>
                     <a:srgbClr val="000000"/>
                   </a:solidFill>
@@ -6014,7 +6014,7 @@
             </a:ln>
             <a:extLst>
               <a:ext uri="{91240B29-F687-4f45-9708-019B960494DF}">
-                <a14:hiddenLine xmlns:a14="http://schemas.microsoft.com/office/drawing/2010/main" xmlns="" w="9525">
+                <a14:hiddenLine xmlns="" xmlns:a14="http://schemas.microsoft.com/office/drawing/2010/main" w="9525">
                   <a:solidFill>
                     <a:srgbClr val="000000"/>
                   </a:solidFill>
@@ -6076,7 +6076,7 @@
             </a:ln>
             <a:extLst>
               <a:ext uri="{91240B29-F687-4f45-9708-019B960494DF}">
-                <a14:hiddenLine xmlns:a14="http://schemas.microsoft.com/office/drawing/2010/main" xmlns="" w="9525">
+                <a14:hiddenLine xmlns="" xmlns:a14="http://schemas.microsoft.com/office/drawing/2010/main" w="9525">
                   <a:solidFill>
                     <a:srgbClr val="000000"/>
                   </a:solidFill>
@@ -6166,7 +6166,7 @@
             </a:ln>
             <a:extLst>
               <a:ext uri="{91240B29-F687-4f45-9708-019B960494DF}">
-                <a14:hiddenLine xmlns:a14="http://schemas.microsoft.com/office/drawing/2010/main" xmlns="" w="9525">
+                <a14:hiddenLine xmlns="" xmlns:a14="http://schemas.microsoft.com/office/drawing/2010/main" w="9525">
                   <a:solidFill>
                     <a:srgbClr val="000000"/>
                   </a:solidFill>
@@ -6200,7 +6200,7 @@
             </a:ln>
             <a:extLst>
               <a:ext uri="{91240B29-F687-4f45-9708-019B960494DF}">
-                <a14:hiddenLine xmlns:a14="http://schemas.microsoft.com/office/drawing/2010/main" xmlns="" w="9525">
+                <a14:hiddenLine xmlns="" xmlns:a14="http://schemas.microsoft.com/office/drawing/2010/main" w="9525">
                   <a:solidFill>
                     <a:srgbClr val="000000"/>
                   </a:solidFill>
@@ -6265,7 +6265,7 @@
             </a:ln>
             <a:extLst>
               <a:ext uri="{91240B29-F687-4f45-9708-019B960494DF}">
-                <a14:hiddenLine xmlns:a14="http://schemas.microsoft.com/office/drawing/2010/main" xmlns="" w="9525">
+                <a14:hiddenLine xmlns="" xmlns:a14="http://schemas.microsoft.com/office/drawing/2010/main" w="9525">
                   <a:solidFill>
                     <a:srgbClr val="000000"/>
                   </a:solidFill>
@@ -6355,7 +6355,7 @@
             </a:ln>
             <a:extLst>
               <a:ext uri="{91240B29-F687-4f45-9708-019B960494DF}">
-                <a14:hiddenLine xmlns:a14="http://schemas.microsoft.com/office/drawing/2010/main" xmlns="" w="9525">
+                <a14:hiddenLine xmlns="" xmlns:a14="http://schemas.microsoft.com/office/drawing/2010/main" w="9525">
                   <a:solidFill>
                     <a:srgbClr val="000000"/>
                   </a:solidFill>
@@ -6417,7 +6417,7 @@
             </a:ln>
             <a:extLst>
               <a:ext uri="{91240B29-F687-4f45-9708-019B960494DF}">
-                <a14:hiddenLine xmlns:a14="http://schemas.microsoft.com/office/drawing/2010/main" xmlns="" w="9525">
+                <a14:hiddenLine xmlns="" xmlns:a14="http://schemas.microsoft.com/office/drawing/2010/main" w="9525">
                   <a:solidFill>
                     <a:srgbClr val="000000"/>
                   </a:solidFill>
@@ -6507,7 +6507,7 @@
             </a:ln>
             <a:extLst>
               <a:ext uri="{91240B29-F687-4f45-9708-019B960494DF}">
-                <a14:hiddenLine xmlns:a14="http://schemas.microsoft.com/office/drawing/2010/main" xmlns="" w="9525">
+                <a14:hiddenLine xmlns="" xmlns:a14="http://schemas.microsoft.com/office/drawing/2010/main" w="9525">
                   <a:solidFill>
                     <a:srgbClr val="000000"/>
                   </a:solidFill>
@@ -6597,7 +6597,7 @@
             </a:ln>
             <a:extLst>
               <a:ext uri="{91240B29-F687-4f45-9708-019B960494DF}">
-                <a14:hiddenLine xmlns:a14="http://schemas.microsoft.com/office/drawing/2010/main" xmlns="" w="9525">
+                <a14:hiddenLine xmlns="" xmlns:a14="http://schemas.microsoft.com/office/drawing/2010/main" w="9525">
                   <a:solidFill>
                     <a:srgbClr val="000000"/>
                   </a:solidFill>
@@ -6662,7 +6662,7 @@
             </a:ln>
             <a:extLst>
               <a:ext uri="{91240B29-F687-4f45-9708-019B960494DF}">
-                <a14:hiddenLine xmlns:a14="http://schemas.microsoft.com/office/drawing/2010/main" xmlns="" w="9525">
+                <a14:hiddenLine xmlns="" xmlns:a14="http://schemas.microsoft.com/office/drawing/2010/main" w="9525">
                   <a:solidFill>
                     <a:srgbClr val="000000"/>
                   </a:solidFill>
@@ -6724,7 +6724,7 @@
             </a:ln>
             <a:extLst>
               <a:ext uri="{91240B29-F687-4f45-9708-019B960494DF}">
-                <a14:hiddenLine xmlns:a14="http://schemas.microsoft.com/office/drawing/2010/main" xmlns="" w="9525">
+                <a14:hiddenLine xmlns="" xmlns:a14="http://schemas.microsoft.com/office/drawing/2010/main" w="9525">
                   <a:solidFill>
                     <a:srgbClr val="000000"/>
                   </a:solidFill>
@@ -6814,7 +6814,7 @@
             </a:ln>
             <a:extLst>
               <a:ext uri="{91240B29-F687-4f45-9708-019B960494DF}">
-                <a14:hiddenLine xmlns:a14="http://schemas.microsoft.com/office/drawing/2010/main" xmlns="" w="9525">
+                <a14:hiddenLine xmlns="" xmlns:a14="http://schemas.microsoft.com/office/drawing/2010/main" w="9525">
                   <a:solidFill>
                     <a:srgbClr val="000000"/>
                   </a:solidFill>
@@ -6904,7 +6904,7 @@
             </a:ln>
             <a:extLst>
               <a:ext uri="{91240B29-F687-4f45-9708-019B960494DF}">
-                <a14:hiddenLine xmlns:a14="http://schemas.microsoft.com/office/drawing/2010/main" xmlns="" w="9525">
+                <a14:hiddenLine xmlns="" xmlns:a14="http://schemas.microsoft.com/office/drawing/2010/main" w="9525">
                   <a:solidFill>
                     <a:srgbClr val="000000"/>
                   </a:solidFill>
@@ -6966,7 +6966,7 @@
             </a:ln>
             <a:extLst>
               <a:ext uri="{91240B29-F687-4f45-9708-019B960494DF}">
-                <a14:hiddenLine xmlns:a14="http://schemas.microsoft.com/office/drawing/2010/main" xmlns="" w="9525">
+                <a14:hiddenLine xmlns="" xmlns:a14="http://schemas.microsoft.com/office/drawing/2010/main" w="9525">
                   <a:solidFill>
                     <a:srgbClr val="000000"/>
                   </a:solidFill>
@@ -7086,7 +7086,7 @@
             </a:ln>
             <a:extLst>
               <a:ext uri="{91240B29-F687-4f45-9708-019B960494DF}">
-                <a14:hiddenLine xmlns:a14="http://schemas.microsoft.com/office/drawing/2010/main" xmlns="" w="9525">
+                <a14:hiddenLine xmlns="" xmlns:a14="http://schemas.microsoft.com/office/drawing/2010/main" w="9525">
                   <a:solidFill>
                     <a:srgbClr val="000000"/>
                   </a:solidFill>
@@ -7154,7 +7154,7 @@
             </a:ln>
             <a:extLst>
               <a:ext uri="{91240B29-F687-4f45-9708-019B960494DF}">
-                <a14:hiddenLine xmlns:a14="http://schemas.microsoft.com/office/drawing/2010/main" xmlns="" w="9525">
+                <a14:hiddenLine xmlns="" xmlns:a14="http://schemas.microsoft.com/office/drawing/2010/main" w="9525">
                   <a:solidFill>
                     <a:srgbClr val="000000"/>
                   </a:solidFill>
@@ -7244,7 +7244,7 @@
             </a:ln>
             <a:extLst>
               <a:ext uri="{91240B29-F687-4f45-9708-019B960494DF}">
-                <a14:hiddenLine xmlns:a14="http://schemas.microsoft.com/office/drawing/2010/main" xmlns="" w="9525">
+                <a14:hiddenLine xmlns="" xmlns:a14="http://schemas.microsoft.com/office/drawing/2010/main" w="9525">
                   <a:solidFill>
                     <a:srgbClr val="000000"/>
                   </a:solidFill>
@@ -7384,7 +7384,7 @@
           <a:p>
             <a:fld id="{D9D09461-68A3-450D-B9CB-9BCFB1E8CC05}" type="datetimeFigureOut">
               <a:rPr lang="en-AU" smtClean="0"/>
-              <a:t>1/08/2021</a:t>
+              <a:t>12/09/2022</a:t>
             </a:fld>
             <a:endParaRPr lang="en-AU"/>
           </a:p>
@@ -7564,7 +7564,7 @@
           <a:p>
             <a:fld id="{D9D09461-68A3-450D-B9CB-9BCFB1E8CC05}" type="datetimeFigureOut">
               <a:rPr lang="en-AU" smtClean="0"/>
-              <a:t>1/08/2021</a:t>
+              <a:t>12/09/2022</a:t>
             </a:fld>
             <a:endParaRPr lang="en-AU"/>
           </a:p>
@@ -7814,7 +7814,7 @@
           <a:p>
             <a:fld id="{D9D09461-68A3-450D-B9CB-9BCFB1E8CC05}" type="datetimeFigureOut">
               <a:rPr lang="en-AU" smtClean="0"/>
-              <a:t>1/08/2021</a:t>
+              <a:t>12/09/2022</a:t>
             </a:fld>
             <a:endParaRPr lang="en-AU"/>
           </a:p>
@@ -8046,7 +8046,7 @@
           <a:p>
             <a:fld id="{D9D09461-68A3-450D-B9CB-9BCFB1E8CC05}" type="datetimeFigureOut">
               <a:rPr lang="en-AU" smtClean="0"/>
-              <a:t>1/08/2021</a:t>
+              <a:t>12/09/2022</a:t>
             </a:fld>
             <a:endParaRPr lang="en-AU"/>
           </a:p>
@@ -8427,7 +8427,7 @@
           <a:p>
             <a:fld id="{D9D09461-68A3-450D-B9CB-9BCFB1E8CC05}" type="datetimeFigureOut">
               <a:rPr lang="en-AU" smtClean="0"/>
-              <a:t>1/08/2021</a:t>
+              <a:t>12/09/2022</a:t>
             </a:fld>
             <a:endParaRPr lang="en-AU"/>
           </a:p>
@@ -8545,7 +8545,7 @@
           <a:p>
             <a:fld id="{D9D09461-68A3-450D-B9CB-9BCFB1E8CC05}" type="datetimeFigureOut">
               <a:rPr lang="en-AU" smtClean="0"/>
-              <a:t>1/08/2021</a:t>
+              <a:t>12/09/2022</a:t>
             </a:fld>
             <a:endParaRPr lang="en-AU"/>
           </a:p>
@@ -8640,7 +8640,7 @@
           <a:p>
             <a:fld id="{D9D09461-68A3-450D-B9CB-9BCFB1E8CC05}" type="datetimeFigureOut">
               <a:rPr lang="en-AU" smtClean="0"/>
-              <a:t>1/08/2021</a:t>
+              <a:t>12/09/2022</a:t>
             </a:fld>
             <a:endParaRPr lang="en-AU"/>
           </a:p>
@@ -8889,7 +8889,7 @@
           <a:p>
             <a:fld id="{D9D09461-68A3-450D-B9CB-9BCFB1E8CC05}" type="datetimeFigureOut">
               <a:rPr lang="en-AU" smtClean="0"/>
-              <a:t>1/08/2021</a:t>
+              <a:t>12/09/2022</a:t>
             </a:fld>
             <a:endParaRPr lang="en-AU"/>
           </a:p>
@@ -9077,7 +9077,7 @@
           <a:p>
             <a:fld id="{D9D09461-68A3-450D-B9CB-9BCFB1E8CC05}" type="datetimeFigureOut">
               <a:rPr lang="en-AU" smtClean="0"/>
-              <a:t>1/08/2021</a:t>
+              <a:t>12/09/2022</a:t>
             </a:fld>
             <a:endParaRPr lang="en-AU"/>
           </a:p>
@@ -9369,7 +9369,7 @@
           <a:p>
             <a:fld id="{D9D09461-68A3-450D-B9CB-9BCFB1E8CC05}" type="datetimeFigureOut">
               <a:rPr lang="en-AU" smtClean="0"/>
-              <a:t>1/08/2021</a:t>
+              <a:t>12/09/2022</a:t>
             </a:fld>
             <a:endParaRPr lang="en-AU"/>
           </a:p>
@@ -9626,7 +9626,7 @@
           <a:p>
             <a:fld id="{D9D09461-68A3-450D-B9CB-9BCFB1E8CC05}" type="datetimeFigureOut">
               <a:rPr lang="en-AU" smtClean="0"/>
-              <a:t>1/08/2021</a:t>
+              <a:t>12/09/2022</a:t>
             </a:fld>
             <a:endParaRPr lang="en-AU"/>
           </a:p>
@@ -9822,7 +9822,7 @@
           <a:p>
             <a:fld id="{D9D09461-68A3-450D-B9CB-9BCFB1E8CC05}" type="datetimeFigureOut">
               <a:rPr lang="en-AU" smtClean="0"/>
-              <a:t>1/08/2021</a:t>
+              <a:t>12/09/2022</a:t>
             </a:fld>
             <a:endParaRPr lang="en-AU"/>
           </a:p>
@@ -10085,7 +10085,7 @@
           <a:p>
             <a:fld id="{D9D09461-68A3-450D-B9CB-9BCFB1E8CC05}" type="datetimeFigureOut">
               <a:rPr lang="en-AU" smtClean="0"/>
-              <a:t>1/08/2021</a:t>
+              <a:t>12/09/2022</a:t>
             </a:fld>
             <a:endParaRPr lang="en-AU"/>
           </a:p>
@@ -10519,7 +10519,7 @@
           <a:p>
             <a:fld id="{D9D09461-68A3-450D-B9CB-9BCFB1E8CC05}" type="datetimeFigureOut">
               <a:rPr lang="en-AU" smtClean="0"/>
-              <a:t>1/08/2021</a:t>
+              <a:t>12/09/2022</a:t>
             </a:fld>
             <a:endParaRPr lang="en-AU"/>
           </a:p>
@@ -11065,7 +11065,7 @@
           <a:p>
             <a:fld id="{D9D09461-68A3-450D-B9CB-9BCFB1E8CC05}" type="datetimeFigureOut">
               <a:rPr lang="en-AU" smtClean="0"/>
-              <a:t>1/08/2021</a:t>
+              <a:t>12/09/2022</a:t>
             </a:fld>
             <a:endParaRPr lang="en-AU"/>
           </a:p>
@@ -11785,7 +11785,7 @@
           <a:p>
             <a:fld id="{D9D09461-68A3-450D-B9CB-9BCFB1E8CC05}" type="datetimeFigureOut">
               <a:rPr lang="en-AU" smtClean="0"/>
-              <a:t>1/08/2021</a:t>
+              <a:t>12/09/2022</a:t>
             </a:fld>
             <a:endParaRPr lang="en-AU"/>
           </a:p>
@@ -11955,7 +11955,7 @@
           <a:p>
             <a:fld id="{D9D09461-68A3-450D-B9CB-9BCFB1E8CC05}" type="datetimeFigureOut">
               <a:rPr lang="en-AU" smtClean="0"/>
-              <a:t>1/08/2021</a:t>
+              <a:t>12/09/2022</a:t>
             </a:fld>
             <a:endParaRPr lang="en-AU"/>
           </a:p>
@@ -12135,7 +12135,7 @@
           <a:p>
             <a:fld id="{D9D09461-68A3-450D-B9CB-9BCFB1E8CC05}" type="datetimeFigureOut">
               <a:rPr lang="en-AU" smtClean="0"/>
-              <a:t>1/08/2021</a:t>
+              <a:t>12/09/2022</a:t>
             </a:fld>
             <a:endParaRPr lang="en-AU"/>
           </a:p>
@@ -12399,7 +12399,7 @@
           <a:p>
             <a:fld id="{D9D09461-68A3-450D-B9CB-9BCFB1E8CC05}" type="datetimeFigureOut">
               <a:rPr lang="en-AU" smtClean="0"/>
-              <a:t>1/08/2021</a:t>
+              <a:t>12/09/2022</a:t>
             </a:fld>
             <a:endParaRPr lang="en-AU"/>
           </a:p>
@@ -12667,7 +12667,7 @@
           <a:p>
             <a:fld id="{D9D09461-68A3-450D-B9CB-9BCFB1E8CC05}" type="datetimeFigureOut">
               <a:rPr lang="en-AU" smtClean="0"/>
-              <a:t>1/08/2021</a:t>
+              <a:t>12/09/2022</a:t>
             </a:fld>
             <a:endParaRPr lang="en-AU"/>
           </a:p>
@@ -13082,7 +13082,7 @@
           <a:p>
             <a:fld id="{D9D09461-68A3-450D-B9CB-9BCFB1E8CC05}" type="datetimeFigureOut">
               <a:rPr lang="en-AU" smtClean="0"/>
-              <a:t>1/08/2021</a:t>
+              <a:t>12/09/2022</a:t>
             </a:fld>
             <a:endParaRPr lang="en-AU"/>
           </a:p>
@@ -13224,7 +13224,7 @@
           <a:p>
             <a:fld id="{D9D09461-68A3-450D-B9CB-9BCFB1E8CC05}" type="datetimeFigureOut">
               <a:rPr lang="en-AU" smtClean="0"/>
-              <a:t>1/08/2021</a:t>
+              <a:t>12/09/2022</a:t>
             </a:fld>
             <a:endParaRPr lang="en-AU"/>
           </a:p>
@@ -13337,7 +13337,7 @@
           <a:p>
             <a:fld id="{D9D09461-68A3-450D-B9CB-9BCFB1E8CC05}" type="datetimeFigureOut">
               <a:rPr lang="en-AU" smtClean="0"/>
-              <a:t>1/08/2021</a:t>
+              <a:t>12/09/2022</a:t>
             </a:fld>
             <a:endParaRPr lang="en-AU"/>
           </a:p>
@@ -13650,7 +13650,7 @@
           <a:p>
             <a:fld id="{D9D09461-68A3-450D-B9CB-9BCFB1E8CC05}" type="datetimeFigureOut">
               <a:rPr lang="en-AU" smtClean="0"/>
-              <a:t>1/08/2021</a:t>
+              <a:t>12/09/2022</a:t>
             </a:fld>
             <a:endParaRPr lang="en-AU"/>
           </a:p>
@@ -13939,7 +13939,7 @@
           <a:p>
             <a:fld id="{D9D09461-68A3-450D-B9CB-9BCFB1E8CC05}" type="datetimeFigureOut">
               <a:rPr lang="en-AU" smtClean="0"/>
-              <a:t>1/08/2021</a:t>
+              <a:t>12/09/2022</a:t>
             </a:fld>
             <a:endParaRPr lang="en-AU"/>
           </a:p>
@@ -14182,7 +14182,7 @@
           <a:p>
             <a:fld id="{D9D09461-68A3-450D-B9CB-9BCFB1E8CC05}" type="datetimeFigureOut">
               <a:rPr lang="en-AU" smtClean="0"/>
-              <a:t>1/08/2021</a:t>
+              <a:t>12/09/2022</a:t>
             </a:fld>
             <a:endParaRPr lang="en-AU"/>
           </a:p>
@@ -14637,7 +14637,7 @@
           <a:noFill/>
           <a:extLst>
             <a:ext uri="{909E8E84-426E-40dd-AFC4-6F175D3DCCD1}">
-              <a14:hiddenFill xmlns:a14="http://schemas.microsoft.com/office/drawing/2010/main" xmlns="">
+              <a14:hiddenFill xmlns="" xmlns:a14="http://schemas.microsoft.com/office/drawing/2010/main">
                 <a:solidFill>
                   <a:srgbClr val="FFFFFF"/>
                 </a:solidFill>
@@ -14711,7 +14711,7 @@
               </a:ln>
               <a:extLst>
                 <a:ext uri="{91240B29-F687-4f45-9708-019B960494DF}">
-                  <a14:hiddenLine xmlns:a14="http://schemas.microsoft.com/office/drawing/2010/main" xmlns="" w="9525">
+                  <a14:hiddenLine xmlns="" xmlns:a14="http://schemas.microsoft.com/office/drawing/2010/main" w="9525">
                     <a:solidFill>
                       <a:srgbClr val="000000"/>
                     </a:solidFill>
@@ -14801,7 +14801,7 @@
               </a:ln>
               <a:extLst>
                 <a:ext uri="{91240B29-F687-4f45-9708-019B960494DF}">
-                  <a14:hiddenLine xmlns:a14="http://schemas.microsoft.com/office/drawing/2010/main" xmlns="" w="9525">
+                  <a14:hiddenLine xmlns="" xmlns:a14="http://schemas.microsoft.com/office/drawing/2010/main" w="9525">
                     <a:solidFill>
                       <a:srgbClr val="000000"/>
                     </a:solidFill>
@@ -14891,7 +14891,7 @@
               </a:ln>
               <a:extLst>
                 <a:ext uri="{91240B29-F687-4f45-9708-019B960494DF}">
-                  <a14:hiddenLine xmlns:a14="http://schemas.microsoft.com/office/drawing/2010/main" xmlns="" w="9525">
+                  <a14:hiddenLine xmlns="" xmlns:a14="http://schemas.microsoft.com/office/drawing/2010/main" w="9525">
                     <a:solidFill>
                       <a:srgbClr val="000000"/>
                     </a:solidFill>
@@ -14953,7 +14953,7 @@
               </a:ln>
               <a:extLst>
                 <a:ext uri="{91240B29-F687-4f45-9708-019B960494DF}">
-                  <a14:hiddenLine xmlns:a14="http://schemas.microsoft.com/office/drawing/2010/main" xmlns="" w="9525">
+                  <a14:hiddenLine xmlns="" xmlns:a14="http://schemas.microsoft.com/office/drawing/2010/main" w="9525">
                     <a:solidFill>
                       <a:srgbClr val="000000"/>
                     </a:solidFill>
@@ -15043,7 +15043,7 @@
               </a:ln>
               <a:extLst>
                 <a:ext uri="{91240B29-F687-4f45-9708-019B960494DF}">
-                  <a14:hiddenLine xmlns:a14="http://schemas.microsoft.com/office/drawing/2010/main" xmlns="" w="9525">
+                  <a14:hiddenLine xmlns="" xmlns:a14="http://schemas.microsoft.com/office/drawing/2010/main" w="9525">
                     <a:solidFill>
                       <a:srgbClr val="000000"/>
                     </a:solidFill>
@@ -15105,7 +15105,7 @@
               </a:ln>
               <a:extLst>
                 <a:ext uri="{91240B29-F687-4f45-9708-019B960494DF}">
-                  <a14:hiddenLine xmlns:a14="http://schemas.microsoft.com/office/drawing/2010/main" xmlns="" w="9525">
+                  <a14:hiddenLine xmlns="" xmlns:a14="http://schemas.microsoft.com/office/drawing/2010/main" w="9525">
                     <a:solidFill>
                       <a:srgbClr val="000000"/>
                     </a:solidFill>
@@ -15167,7 +15167,7 @@
               </a:ln>
               <a:extLst>
                 <a:ext uri="{91240B29-F687-4f45-9708-019B960494DF}">
-                  <a14:hiddenLine xmlns:a14="http://schemas.microsoft.com/office/drawing/2010/main" xmlns="" w="9525">
+                  <a14:hiddenLine xmlns="" xmlns:a14="http://schemas.microsoft.com/office/drawing/2010/main" w="9525">
                     <a:solidFill>
                       <a:srgbClr val="000000"/>
                     </a:solidFill>
@@ -15257,7 +15257,7 @@
               </a:ln>
               <a:extLst>
                 <a:ext uri="{91240B29-F687-4f45-9708-019B960494DF}">
-                  <a14:hiddenLine xmlns:a14="http://schemas.microsoft.com/office/drawing/2010/main" xmlns="" w="9525">
+                  <a14:hiddenLine xmlns="" xmlns:a14="http://schemas.microsoft.com/office/drawing/2010/main" w="9525">
                     <a:solidFill>
                       <a:srgbClr val="000000"/>
                     </a:solidFill>
@@ -15347,7 +15347,7 @@
               </a:ln>
               <a:extLst>
                 <a:ext uri="{91240B29-F687-4f45-9708-019B960494DF}">
-                  <a14:hiddenLine xmlns:a14="http://schemas.microsoft.com/office/drawing/2010/main" xmlns="" w="9525">
+                  <a14:hiddenLine xmlns="" xmlns:a14="http://schemas.microsoft.com/office/drawing/2010/main" w="9525">
                     <a:solidFill>
                       <a:srgbClr val="000000"/>
                     </a:solidFill>
@@ -15409,7 +15409,7 @@
               </a:ln>
               <a:extLst>
                 <a:ext uri="{91240B29-F687-4f45-9708-019B960494DF}">
-                  <a14:hiddenLine xmlns:a14="http://schemas.microsoft.com/office/drawing/2010/main" xmlns="" w="9525">
+                  <a14:hiddenLine xmlns="" xmlns:a14="http://schemas.microsoft.com/office/drawing/2010/main" w="9525">
                     <a:solidFill>
                       <a:srgbClr val="000000"/>
                     </a:solidFill>
@@ -15519,7 +15519,7 @@
               </a:ln>
               <a:extLst>
                 <a:ext uri="{91240B29-F687-4f45-9708-019B960494DF}">
-                  <a14:hiddenLine xmlns:a14="http://schemas.microsoft.com/office/drawing/2010/main" xmlns="" w="9525">
+                  <a14:hiddenLine xmlns="" xmlns:a14="http://schemas.microsoft.com/office/drawing/2010/main" w="9525">
                     <a:solidFill>
                       <a:srgbClr val="000000"/>
                     </a:solidFill>
@@ -15603,7 +15603,7 @@
               </a:ln>
               <a:extLst>
                 <a:ext uri="{91240B29-F687-4f45-9708-019B960494DF}">
-                  <a14:hiddenLine xmlns:a14="http://schemas.microsoft.com/office/drawing/2010/main" xmlns="" w="9525">
+                  <a14:hiddenLine xmlns="" xmlns:a14="http://schemas.microsoft.com/office/drawing/2010/main" w="9525">
                     <a:solidFill>
                       <a:srgbClr val="000000"/>
                     </a:solidFill>
@@ -15665,7 +15665,7 @@
               </a:ln>
               <a:extLst>
                 <a:ext uri="{91240B29-F687-4f45-9708-019B960494DF}">
-                  <a14:hiddenLine xmlns:a14="http://schemas.microsoft.com/office/drawing/2010/main" xmlns="" w="9525">
+                  <a14:hiddenLine xmlns="" xmlns:a14="http://schemas.microsoft.com/office/drawing/2010/main" w="9525">
                     <a:solidFill>
                       <a:srgbClr val="000000"/>
                     </a:solidFill>
@@ -15727,7 +15727,7 @@
               </a:ln>
               <a:extLst>
                 <a:ext uri="{91240B29-F687-4f45-9708-019B960494DF}">
-                  <a14:hiddenLine xmlns:a14="http://schemas.microsoft.com/office/drawing/2010/main" xmlns="" w="9525">
+                  <a14:hiddenLine xmlns="" xmlns:a14="http://schemas.microsoft.com/office/drawing/2010/main" w="9525">
                     <a:solidFill>
                       <a:srgbClr val="000000"/>
                     </a:solidFill>
@@ -15817,7 +15817,7 @@
               </a:ln>
               <a:extLst>
                 <a:ext uri="{91240B29-F687-4f45-9708-019B960494DF}">
-                  <a14:hiddenLine xmlns:a14="http://schemas.microsoft.com/office/drawing/2010/main" xmlns="" w="9525">
+                  <a14:hiddenLine xmlns="" xmlns:a14="http://schemas.microsoft.com/office/drawing/2010/main" w="9525">
                     <a:solidFill>
                       <a:srgbClr val="000000"/>
                     </a:solidFill>
@@ -15851,7 +15851,7 @@
               </a:ln>
               <a:extLst>
                 <a:ext uri="{91240B29-F687-4f45-9708-019B960494DF}">
-                  <a14:hiddenLine xmlns:a14="http://schemas.microsoft.com/office/drawing/2010/main" xmlns="" w="9525">
+                  <a14:hiddenLine xmlns="" xmlns:a14="http://schemas.microsoft.com/office/drawing/2010/main" w="9525">
                     <a:solidFill>
                       <a:srgbClr val="000000"/>
                     </a:solidFill>
@@ -15916,7 +15916,7 @@
               </a:ln>
               <a:extLst>
                 <a:ext uri="{91240B29-F687-4f45-9708-019B960494DF}">
-                  <a14:hiddenLine xmlns:a14="http://schemas.microsoft.com/office/drawing/2010/main" xmlns="" w="9525">
+                  <a14:hiddenLine xmlns="" xmlns:a14="http://schemas.microsoft.com/office/drawing/2010/main" w="9525">
                     <a:solidFill>
                       <a:srgbClr val="000000"/>
                     </a:solidFill>
@@ -16006,7 +16006,7 @@
               </a:ln>
               <a:extLst>
                 <a:ext uri="{91240B29-F687-4f45-9708-019B960494DF}">
-                  <a14:hiddenLine xmlns:a14="http://schemas.microsoft.com/office/drawing/2010/main" xmlns="" w="9525">
+                  <a14:hiddenLine xmlns="" xmlns:a14="http://schemas.microsoft.com/office/drawing/2010/main" w="9525">
                     <a:solidFill>
                       <a:srgbClr val="000000"/>
                     </a:solidFill>
@@ -16068,7 +16068,7 @@
               </a:ln>
               <a:extLst>
                 <a:ext uri="{91240B29-F687-4f45-9708-019B960494DF}">
-                  <a14:hiddenLine xmlns:a14="http://schemas.microsoft.com/office/drawing/2010/main" xmlns="" w="9525">
+                  <a14:hiddenLine xmlns="" xmlns:a14="http://schemas.microsoft.com/office/drawing/2010/main" w="9525">
                     <a:solidFill>
                       <a:srgbClr val="000000"/>
                     </a:solidFill>
@@ -16158,7 +16158,7 @@
               </a:ln>
               <a:extLst>
                 <a:ext uri="{91240B29-F687-4f45-9708-019B960494DF}">
-                  <a14:hiddenLine xmlns:a14="http://schemas.microsoft.com/office/drawing/2010/main" xmlns="" w="9525">
+                  <a14:hiddenLine xmlns="" xmlns:a14="http://schemas.microsoft.com/office/drawing/2010/main" w="9525">
                     <a:solidFill>
                       <a:srgbClr val="000000"/>
                     </a:solidFill>
@@ -16223,7 +16223,7 @@
               </a:ln>
               <a:extLst>
                 <a:ext uri="{91240B29-F687-4f45-9708-019B960494DF}">
-                  <a14:hiddenLine xmlns:a14="http://schemas.microsoft.com/office/drawing/2010/main" xmlns="" w="9525">
+                  <a14:hiddenLine xmlns="" xmlns:a14="http://schemas.microsoft.com/office/drawing/2010/main" w="9525">
                     <a:solidFill>
                       <a:srgbClr val="000000"/>
                     </a:solidFill>
@@ -16285,7 +16285,7 @@
               </a:ln>
               <a:extLst>
                 <a:ext uri="{91240B29-F687-4f45-9708-019B960494DF}">
-                  <a14:hiddenLine xmlns:a14="http://schemas.microsoft.com/office/drawing/2010/main" xmlns="" w="9525">
+                  <a14:hiddenLine xmlns="" xmlns:a14="http://schemas.microsoft.com/office/drawing/2010/main" w="9525">
                     <a:solidFill>
                       <a:srgbClr val="000000"/>
                     </a:solidFill>
@@ -16375,7 +16375,7 @@
               </a:ln>
               <a:extLst>
                 <a:ext uri="{91240B29-F687-4f45-9708-019B960494DF}">
-                  <a14:hiddenLine xmlns:a14="http://schemas.microsoft.com/office/drawing/2010/main" xmlns="" w="9525">
+                  <a14:hiddenLine xmlns="" xmlns:a14="http://schemas.microsoft.com/office/drawing/2010/main" w="9525">
                     <a:solidFill>
                       <a:srgbClr val="000000"/>
                     </a:solidFill>
@@ -16465,7 +16465,7 @@
               </a:ln>
               <a:extLst>
                 <a:ext uri="{91240B29-F687-4f45-9708-019B960494DF}">
-                  <a14:hiddenLine xmlns:a14="http://schemas.microsoft.com/office/drawing/2010/main" xmlns="" w="9525">
+                  <a14:hiddenLine xmlns="" xmlns:a14="http://schemas.microsoft.com/office/drawing/2010/main" w="9525">
                     <a:solidFill>
                       <a:srgbClr val="000000"/>
                     </a:solidFill>
@@ -16530,7 +16530,7 @@
               </a:ln>
               <a:extLst>
                 <a:ext uri="{91240B29-F687-4f45-9708-019B960494DF}">
-                  <a14:hiddenLine xmlns:a14="http://schemas.microsoft.com/office/drawing/2010/main" xmlns="" w="9525">
+                  <a14:hiddenLine xmlns="" xmlns:a14="http://schemas.microsoft.com/office/drawing/2010/main" w="9525">
                     <a:solidFill>
                       <a:srgbClr val="000000"/>
                     </a:solidFill>
@@ -16650,7 +16650,7 @@
               </a:ln>
               <a:extLst>
                 <a:ext uri="{91240B29-F687-4f45-9708-019B960494DF}">
-                  <a14:hiddenLine xmlns:a14="http://schemas.microsoft.com/office/drawing/2010/main" xmlns="" w="9525">
+                  <a14:hiddenLine xmlns="" xmlns:a14="http://schemas.microsoft.com/office/drawing/2010/main" w="9525">
                     <a:solidFill>
                       <a:srgbClr val="000000"/>
                     </a:solidFill>
@@ -16748,7 +16748,7 @@
               </a:ln>
               <a:extLst>
                 <a:ext uri="{91240B29-F687-4f45-9708-019B960494DF}">
-                  <a14:hiddenLine xmlns:a14="http://schemas.microsoft.com/office/drawing/2010/main" xmlns="" w="9525">
+                  <a14:hiddenLine xmlns="" xmlns:a14="http://schemas.microsoft.com/office/drawing/2010/main" w="9525">
                     <a:solidFill>
                       <a:srgbClr val="000000"/>
                     </a:solidFill>
@@ -16863,7 +16863,7 @@
               </a:ln>
               <a:extLst>
                 <a:ext uri="{91240B29-F687-4f45-9708-019B960494DF}">
-                  <a14:hiddenLine xmlns:a14="http://schemas.microsoft.com/office/drawing/2010/main" xmlns="" w="9525">
+                  <a14:hiddenLine xmlns="" xmlns:a14="http://schemas.microsoft.com/office/drawing/2010/main" w="9525">
                     <a:solidFill>
                       <a:srgbClr val="000000"/>
                     </a:solidFill>
@@ -16953,7 +16953,7 @@
               </a:ln>
               <a:extLst>
                 <a:ext uri="{91240B29-F687-4f45-9708-019B960494DF}">
-                  <a14:hiddenLine xmlns:a14="http://schemas.microsoft.com/office/drawing/2010/main" xmlns="" w="9525">
+                  <a14:hiddenLine xmlns="" xmlns:a14="http://schemas.microsoft.com/office/drawing/2010/main" w="9525">
                     <a:solidFill>
                       <a:srgbClr val="000000"/>
                     </a:solidFill>
@@ -17018,7 +17018,7 @@
               </a:ln>
               <a:extLst>
                 <a:ext uri="{91240B29-F687-4f45-9708-019B960494DF}">
-                  <a14:hiddenLine xmlns:a14="http://schemas.microsoft.com/office/drawing/2010/main" xmlns="" w="9525">
+                  <a14:hiddenLine xmlns="" xmlns:a14="http://schemas.microsoft.com/office/drawing/2010/main" w="9525">
                     <a:solidFill>
                       <a:srgbClr val="000000"/>
                     </a:solidFill>
@@ -17108,7 +17108,7 @@
               </a:ln>
               <a:extLst>
                 <a:ext uri="{91240B29-F687-4f45-9708-019B960494DF}">
-                  <a14:hiddenLine xmlns:a14="http://schemas.microsoft.com/office/drawing/2010/main" xmlns="" w="9525">
+                  <a14:hiddenLine xmlns="" xmlns:a14="http://schemas.microsoft.com/office/drawing/2010/main" w="9525">
                     <a:solidFill>
                       <a:srgbClr val="000000"/>
                     </a:solidFill>
@@ -17176,7 +17176,7 @@
               </a:ln>
               <a:extLst>
                 <a:ext uri="{91240B29-F687-4f45-9708-019B960494DF}">
-                  <a14:hiddenLine xmlns:a14="http://schemas.microsoft.com/office/drawing/2010/main" xmlns="" w="9525">
+                  <a14:hiddenLine xmlns="" xmlns:a14="http://schemas.microsoft.com/office/drawing/2010/main" w="9525">
                     <a:solidFill>
                       <a:srgbClr val="000000"/>
                     </a:solidFill>
@@ -17266,7 +17266,7 @@
               </a:ln>
               <a:extLst>
                 <a:ext uri="{91240B29-F687-4f45-9708-019B960494DF}">
-                  <a14:hiddenLine xmlns:a14="http://schemas.microsoft.com/office/drawing/2010/main" xmlns="" w="9525">
+                  <a14:hiddenLine xmlns="" xmlns:a14="http://schemas.microsoft.com/office/drawing/2010/main" w="9525">
                     <a:solidFill>
                       <a:srgbClr val="000000"/>
                     </a:solidFill>
@@ -17334,7 +17334,7 @@
               </a:ln>
               <a:extLst>
                 <a:ext uri="{91240B29-F687-4f45-9708-019B960494DF}">
-                  <a14:hiddenLine xmlns:a14="http://schemas.microsoft.com/office/drawing/2010/main" xmlns="" w="9525">
+                  <a14:hiddenLine xmlns="" xmlns:a14="http://schemas.microsoft.com/office/drawing/2010/main" w="9525">
                     <a:solidFill>
                       <a:srgbClr val="000000"/>
                     </a:solidFill>
@@ -17424,7 +17424,7 @@
               </a:ln>
               <a:extLst>
                 <a:ext uri="{91240B29-F687-4f45-9708-019B960494DF}">
-                  <a14:hiddenLine xmlns:a14="http://schemas.microsoft.com/office/drawing/2010/main" xmlns="" w="9525">
+                  <a14:hiddenLine xmlns="" xmlns:a14="http://schemas.microsoft.com/office/drawing/2010/main" w="9525">
                     <a:solidFill>
                       <a:srgbClr val="000000"/>
                     </a:solidFill>
@@ -17458,7 +17458,7 @@
               </a:ln>
               <a:extLst>
                 <a:ext uri="{91240B29-F687-4f45-9708-019B960494DF}">
-                  <a14:hiddenLine xmlns:a14="http://schemas.microsoft.com/office/drawing/2010/main" xmlns="" w="9525">
+                  <a14:hiddenLine xmlns="" xmlns:a14="http://schemas.microsoft.com/office/drawing/2010/main" w="9525">
                     <a:solidFill>
                       <a:srgbClr val="000000"/>
                     </a:solidFill>
@@ -17598,7 +17598,7 @@
           <a:p>
             <a:fld id="{D9D09461-68A3-450D-B9CB-9BCFB1E8CC05}" type="datetimeFigureOut">
               <a:rPr lang="en-AU" smtClean="0"/>
-              <a:t>1/08/2021</a:t>
+              <a:t>12/09/2022</a:t>
             </a:fld>
             <a:endParaRPr lang="en-AU"/>
           </a:p>
@@ -22117,15 +22117,7 @@
           <a:p>
             <a:r>
               <a:rPr lang="en-AU" dirty="0"/>
-              <a:t>Contextualize contents for different </a:t>
-            </a:r>
-            <a:r>
-              <a:rPr lang="en-AU" dirty="0" err="1"/>
-              <a:t>targent</a:t>
-            </a:r>
-            <a:r>
-              <a:rPr lang="en-AU" dirty="0"/>
-              <a:t> audiences so that it is relatable.</a:t>
+              <a:t>Contextualize contents for different target audiences so that it is relatable.</a:t>
             </a:r>
           </a:p>
           <a:p>
@@ -23115,6 +23107,12 @@
 </file>
 
 <file path=customXml/item1.xml><?xml version="1.0" encoding="utf-8"?>
+<p:properties xmlns:p="http://schemas.microsoft.com/office/2006/metadata/properties" xmlns:xsi="http://www.w3.org/2001/XMLSchema-instance" xmlns:pc="http://schemas.microsoft.com/office/infopath/2007/PartnerControls">
+  <documentManagement/>
+</p:properties>
+</file>
+
+<file path=customXml/item2.xml><?xml version="1.0" encoding="utf-8"?>
 <ct:contentTypeSchema xmlns:ct="http://schemas.microsoft.com/office/2006/metadata/contentType" xmlns:ma="http://schemas.microsoft.com/office/2006/metadata/properties/metaAttributes" ct:_="" ma:_="" ma:contentTypeName="Document" ma:contentTypeID="0x01010008A387A6A5F150438AB789FA73477179" ma:contentTypeVersion="8" ma:contentTypeDescription="Create a new document." ma:contentTypeScope="" ma:versionID="c7d939dc458d5bd37af7863bd98c44c4">
   <xsd:schema xmlns:xsd="http://www.w3.org/2001/XMLSchema" xmlns:xs="http://www.w3.org/2001/XMLSchema" xmlns:p="http://schemas.microsoft.com/office/2006/metadata/properties" xmlns:ns2="478d409e-a518-4a0e-8e11-4423b5118792" xmlns:ns3="339acee6-c10d-4fa9-b653-6ffa3ad6072a" targetNamespace="http://schemas.microsoft.com/office/2006/metadata/properties" ma:root="true" ma:fieldsID="3f2e2a05c57441f04c2e4cde11871b15" ns2:_="" ns3:_="">
     <xsd:import namespace="478d409e-a518-4a0e-8e11-4423b5118792"/>
@@ -23303,12 +23301,6 @@
 </ct:contentTypeSchema>
 </file>
 
-<file path=customXml/item2.xml><?xml version="1.0" encoding="utf-8"?>
-<p:properties xmlns:p="http://schemas.microsoft.com/office/2006/metadata/properties" xmlns:xsi="http://www.w3.org/2001/XMLSchema-instance" xmlns:pc="http://schemas.microsoft.com/office/infopath/2007/PartnerControls">
-  <documentManagement/>
-</p:properties>
-</file>
-
 <file path=customXml/item3.xml><?xml version="1.0" encoding="utf-8"?>
 <?mso-contentType ?>
 <FormTemplates xmlns="http://schemas.microsoft.com/sharepoint/v3/contenttype/forms">
@@ -23319,6 +23311,23 @@
 </file>
 
 <file path=customXml/itemProps1.xml><?xml version="1.0" encoding="utf-8"?>
+<ds:datastoreItem xmlns:ds="http://schemas.openxmlformats.org/officeDocument/2006/customXml" ds:itemID="{20356687-AF60-4B7D-97BA-66171EAE0FB7}">
+  <ds:schemaRefs>
+    <ds:schemaRef ds:uri="http://purl.org/dc/dcmitype/"/>
+    <ds:schemaRef ds:uri="http://purl.org/dc/terms/"/>
+    <ds:schemaRef ds:uri="http://schemas.microsoft.com/office/2006/metadata/properties"/>
+    <ds:schemaRef ds:uri="339acee6-c10d-4fa9-b653-6ffa3ad6072a"/>
+    <ds:schemaRef ds:uri="http://www.w3.org/XML/1998/namespace"/>
+    <ds:schemaRef ds:uri="http://schemas.openxmlformats.org/package/2006/metadata/core-properties"/>
+    <ds:schemaRef ds:uri="http://schemas.microsoft.com/office/2006/documentManagement/types"/>
+    <ds:schemaRef ds:uri="http://schemas.microsoft.com/office/infopath/2007/PartnerControls"/>
+    <ds:schemaRef ds:uri="478d409e-a518-4a0e-8e11-4423b5118792"/>
+    <ds:schemaRef ds:uri="http://purl.org/dc/elements/1.1/"/>
+  </ds:schemaRefs>
+</ds:datastoreItem>
+</file>
+
+<file path=customXml/itemProps2.xml><?xml version="1.0" encoding="utf-8"?>
 <ds:datastoreItem xmlns:ds="http://schemas.openxmlformats.org/officeDocument/2006/customXml" ds:itemID="{B28F26B5-A1B6-4025-9095-DECE8C420012}">
   <ds:schemaRefs>
     <ds:schemaRef ds:uri="http://schemas.microsoft.com/office/2006/metadata/contentType"/>
@@ -23337,23 +23346,6 @@
 </ds:datastoreItem>
 </file>
 
-<file path=customXml/itemProps2.xml><?xml version="1.0" encoding="utf-8"?>
-<ds:datastoreItem xmlns:ds="http://schemas.openxmlformats.org/officeDocument/2006/customXml" ds:itemID="{20356687-AF60-4B7D-97BA-66171EAE0FB7}">
-  <ds:schemaRefs>
-    <ds:schemaRef ds:uri="http://purl.org/dc/dcmitype/"/>
-    <ds:schemaRef ds:uri="http://purl.org/dc/terms/"/>
-    <ds:schemaRef ds:uri="http://schemas.microsoft.com/office/2006/metadata/properties"/>
-    <ds:schemaRef ds:uri="339acee6-c10d-4fa9-b653-6ffa3ad6072a"/>
-    <ds:schemaRef ds:uri="http://www.w3.org/XML/1998/namespace"/>
-    <ds:schemaRef ds:uri="http://schemas.openxmlformats.org/package/2006/metadata/core-properties"/>
-    <ds:schemaRef ds:uri="http://schemas.microsoft.com/office/2006/documentManagement/types"/>
-    <ds:schemaRef ds:uri="http://schemas.microsoft.com/office/infopath/2007/PartnerControls"/>
-    <ds:schemaRef ds:uri="478d409e-a518-4a0e-8e11-4423b5118792"/>
-    <ds:schemaRef ds:uri="http://purl.org/dc/elements/1.1/"/>
-  </ds:schemaRefs>
-</ds:datastoreItem>
-</file>
-
 <file path=customXml/itemProps3.xml><?xml version="1.0" encoding="utf-8"?>
 <ds:datastoreItem xmlns:ds="http://schemas.openxmlformats.org/officeDocument/2006/customXml" ds:itemID="{46F9944C-06A2-4FBA-BE87-D68E56127524}">
   <ds:schemaRefs>
